--- a/Présentation.pptx
+++ b/Présentation.pptx
@@ -4,6 +4,9 @@
   <p:sldMasterIdLst>
     <p:sldMasterId id="2147483750" r:id="rId2"/>
   </p:sldMasterIdLst>
+  <p:notesMasterIdLst>
+    <p:notesMasterId r:id="rId14"/>
+  </p:notesMasterIdLst>
   <p:sldIdLst>
     <p:sldId id="256" r:id="rId3"/>
     <p:sldId id="258" r:id="rId4"/>
@@ -124,6 +127,440 @@
 
 <file path=ppt/revisionInfo.xml><?xml version="1.0" encoding="utf-8"?>
 <p1510:revInfo xmlns:a="http://schemas.openxmlformats.org/drawingml/2006/main" xmlns:r="http://schemas.openxmlformats.org/officeDocument/2006/relationships" xmlns:p1510="http://schemas.microsoft.com/office/powerpoint/2015/10/main"/>
+</file>
+
+<file path=ppt/notesMasters/notesMaster1.xml><?xml version="1.0" encoding="utf-8"?>
+<p:notesMaster xmlns:a="http://schemas.openxmlformats.org/drawingml/2006/main" xmlns:r="http://schemas.openxmlformats.org/officeDocument/2006/relationships" xmlns:p="http://schemas.openxmlformats.org/presentationml/2006/main">
+  <p:cSld>
+    <p:bg>
+      <p:bgRef idx="1001">
+        <a:schemeClr val="bg1"/>
+      </p:bgRef>
+    </p:bg>
+    <p:spTree>
+      <p:nvGrpSpPr>
+        <p:cNvPr id="1" name=""/>
+        <p:cNvGrpSpPr/>
+        <p:nvPr/>
+      </p:nvGrpSpPr>
+      <p:grpSpPr>
+        <a:xfrm>
+          <a:off x="0" y="0"/>
+          <a:ext cx="0" cy="0"/>
+          <a:chOff x="0" y="0"/>
+          <a:chExt cx="0" cy="0"/>
+        </a:xfrm>
+      </p:grpSpPr>
+      <p:sp>
+        <p:nvSpPr>
+          <p:cNvPr id="2" name="Espace réservé de l'en-tête 1"/>
+          <p:cNvSpPr>
+            <a:spLocks noGrp="1"/>
+          </p:cNvSpPr>
+          <p:nvPr>
+            <p:ph type="hdr" sz="quarter"/>
+          </p:nvPr>
+        </p:nvSpPr>
+        <p:spPr>
+          <a:xfrm>
+            <a:off x="0" y="0"/>
+            <a:ext cx="2971800" cy="458788"/>
+          </a:xfrm>
+          <a:prstGeom prst="rect">
+            <a:avLst/>
+          </a:prstGeom>
+        </p:spPr>
+        <p:txBody>
+          <a:bodyPr vert="horz" lIns="91440" tIns="45720" rIns="91440" bIns="45720" rtlCol="0"/>
+          <a:lstStyle>
+            <a:lvl1pPr algn="l">
+              <a:defRPr sz="1200"/>
+            </a:lvl1pPr>
+          </a:lstStyle>
+          <a:p>
+            <a:endParaRPr lang="fr-CH"/>
+          </a:p>
+        </p:txBody>
+      </p:sp>
+      <p:sp>
+        <p:nvSpPr>
+          <p:cNvPr id="3" name="Espace réservé de la date 2"/>
+          <p:cNvSpPr>
+            <a:spLocks noGrp="1"/>
+          </p:cNvSpPr>
+          <p:nvPr>
+            <p:ph type="dt" idx="1"/>
+          </p:nvPr>
+        </p:nvSpPr>
+        <p:spPr>
+          <a:xfrm>
+            <a:off x="3884613" y="0"/>
+            <a:ext cx="2971800" cy="458788"/>
+          </a:xfrm>
+          <a:prstGeom prst="rect">
+            <a:avLst/>
+          </a:prstGeom>
+        </p:spPr>
+        <p:txBody>
+          <a:bodyPr vert="horz" lIns="91440" tIns="45720" rIns="91440" bIns="45720" rtlCol="0"/>
+          <a:lstStyle>
+            <a:lvl1pPr algn="r">
+              <a:defRPr sz="1200"/>
+            </a:lvl1pPr>
+          </a:lstStyle>
+          <a:p>
+            <a:fld id="{2EF6F3D7-FDF1-499B-B81F-F24850E7FDA6}" type="datetimeFigureOut">
+              <a:rPr lang="fr-CH" smtClean="0"/>
+              <a:t>25.01.2018</a:t>
+            </a:fld>
+            <a:endParaRPr lang="fr-CH"/>
+          </a:p>
+        </p:txBody>
+      </p:sp>
+      <p:sp>
+        <p:nvSpPr>
+          <p:cNvPr id="4" name="Espace réservé de l'image des diapositives 3"/>
+          <p:cNvSpPr>
+            <a:spLocks noGrp="1" noRot="1" noChangeAspect="1"/>
+          </p:cNvSpPr>
+          <p:nvPr>
+            <p:ph type="sldImg" idx="2"/>
+          </p:nvPr>
+        </p:nvSpPr>
+        <p:spPr>
+          <a:xfrm>
+            <a:off x="685800" y="1143000"/>
+            <a:ext cx="5486400" cy="3086100"/>
+          </a:xfrm>
+          <a:prstGeom prst="rect">
+            <a:avLst/>
+          </a:prstGeom>
+          <a:noFill/>
+          <a:ln w="12700">
+            <a:solidFill>
+              <a:prstClr val="black"/>
+            </a:solidFill>
+          </a:ln>
+        </p:spPr>
+        <p:txBody>
+          <a:bodyPr vert="horz" lIns="91440" tIns="45720" rIns="91440" bIns="45720" rtlCol="0" anchor="ctr"/>
+          <a:lstStyle/>
+          <a:p>
+            <a:endParaRPr lang="fr-CH"/>
+          </a:p>
+        </p:txBody>
+      </p:sp>
+      <p:sp>
+        <p:nvSpPr>
+          <p:cNvPr id="5" name="Espace réservé des notes 4"/>
+          <p:cNvSpPr>
+            <a:spLocks noGrp="1"/>
+          </p:cNvSpPr>
+          <p:nvPr>
+            <p:ph type="body" sz="quarter" idx="3"/>
+          </p:nvPr>
+        </p:nvSpPr>
+        <p:spPr>
+          <a:xfrm>
+            <a:off x="685800" y="4400550"/>
+            <a:ext cx="5486400" cy="3600450"/>
+          </a:xfrm>
+          <a:prstGeom prst="rect">
+            <a:avLst/>
+          </a:prstGeom>
+        </p:spPr>
+        <p:txBody>
+          <a:bodyPr vert="horz" lIns="91440" tIns="45720" rIns="91440" bIns="45720" rtlCol="0"/>
+          <a:lstStyle/>
+          <a:p>
+            <a:pPr lvl="0"/>
+            <a:r>
+              <a:rPr lang="fr-FR"/>
+              <a:t>Modifier les styles du texte du masque</a:t>
+            </a:r>
+          </a:p>
+          <a:p>
+            <a:pPr lvl="1"/>
+            <a:r>
+              <a:rPr lang="fr-FR"/>
+              <a:t>Deuxième niveau</a:t>
+            </a:r>
+          </a:p>
+          <a:p>
+            <a:pPr lvl="2"/>
+            <a:r>
+              <a:rPr lang="fr-FR"/>
+              <a:t>Troisième niveau</a:t>
+            </a:r>
+          </a:p>
+          <a:p>
+            <a:pPr lvl="3"/>
+            <a:r>
+              <a:rPr lang="fr-FR"/>
+              <a:t>Quatrième niveau</a:t>
+            </a:r>
+          </a:p>
+          <a:p>
+            <a:pPr lvl="4"/>
+            <a:r>
+              <a:rPr lang="fr-FR"/>
+              <a:t>Cinquième niveau</a:t>
+            </a:r>
+            <a:endParaRPr lang="fr-CH"/>
+          </a:p>
+        </p:txBody>
+      </p:sp>
+      <p:sp>
+        <p:nvSpPr>
+          <p:cNvPr id="6" name="Espace réservé du pied de page 5"/>
+          <p:cNvSpPr>
+            <a:spLocks noGrp="1"/>
+          </p:cNvSpPr>
+          <p:nvPr>
+            <p:ph type="ftr" sz="quarter" idx="4"/>
+          </p:nvPr>
+        </p:nvSpPr>
+        <p:spPr>
+          <a:xfrm>
+            <a:off x="0" y="8685213"/>
+            <a:ext cx="2971800" cy="458787"/>
+          </a:xfrm>
+          <a:prstGeom prst="rect">
+            <a:avLst/>
+          </a:prstGeom>
+        </p:spPr>
+        <p:txBody>
+          <a:bodyPr vert="horz" lIns="91440" tIns="45720" rIns="91440" bIns="45720" rtlCol="0" anchor="b"/>
+          <a:lstStyle>
+            <a:lvl1pPr algn="l">
+              <a:defRPr sz="1200"/>
+            </a:lvl1pPr>
+          </a:lstStyle>
+          <a:p>
+            <a:endParaRPr lang="fr-CH"/>
+          </a:p>
+        </p:txBody>
+      </p:sp>
+      <p:sp>
+        <p:nvSpPr>
+          <p:cNvPr id="7" name="Espace réservé du numéro de diapositive 6"/>
+          <p:cNvSpPr>
+            <a:spLocks noGrp="1"/>
+          </p:cNvSpPr>
+          <p:nvPr>
+            <p:ph type="sldNum" sz="quarter" idx="5"/>
+          </p:nvPr>
+        </p:nvSpPr>
+        <p:spPr>
+          <a:xfrm>
+            <a:off x="3884613" y="8685213"/>
+            <a:ext cx="2971800" cy="458787"/>
+          </a:xfrm>
+          <a:prstGeom prst="rect">
+            <a:avLst/>
+          </a:prstGeom>
+        </p:spPr>
+        <p:txBody>
+          <a:bodyPr vert="horz" lIns="91440" tIns="45720" rIns="91440" bIns="45720" rtlCol="0" anchor="b"/>
+          <a:lstStyle>
+            <a:lvl1pPr algn="r">
+              <a:defRPr sz="1200"/>
+            </a:lvl1pPr>
+          </a:lstStyle>
+          <a:p>
+            <a:fld id="{EC37260B-1DC5-48E4-BB85-1DFFBBA627B3}" type="slidenum">
+              <a:rPr lang="fr-CH" smtClean="0"/>
+              <a:t>‹N°›</a:t>
+            </a:fld>
+            <a:endParaRPr lang="fr-CH"/>
+          </a:p>
+        </p:txBody>
+      </p:sp>
+    </p:spTree>
+    <p:extLst>
+      <p:ext uri="{BB962C8B-B14F-4D97-AF65-F5344CB8AC3E}">
+        <p14:creationId xmlns:p14="http://schemas.microsoft.com/office/powerpoint/2010/main" val="1977688725"/>
+      </p:ext>
+    </p:extLst>
+  </p:cSld>
+  <p:clrMap bg1="lt1" tx1="dk1" bg2="lt2" tx2="dk2" accent1="accent1" accent2="accent2" accent3="accent3" accent4="accent4" accent5="accent5" accent6="accent6" hlink="hlink" folHlink="folHlink"/>
+  <p:notesStyle>
+    <a:lvl1pPr marL="0" algn="l" defTabSz="914400" rtl="0" eaLnBrk="1" latinLnBrk="0" hangingPunct="1">
+      <a:defRPr sz="1200" kern="1200">
+        <a:solidFill>
+          <a:schemeClr val="tx1"/>
+        </a:solidFill>
+        <a:latin typeface="+mn-lt"/>
+        <a:ea typeface="+mn-ea"/>
+        <a:cs typeface="+mn-cs"/>
+      </a:defRPr>
+    </a:lvl1pPr>
+    <a:lvl2pPr marL="457200" algn="l" defTabSz="914400" rtl="0" eaLnBrk="1" latinLnBrk="0" hangingPunct="1">
+      <a:defRPr sz="1200" kern="1200">
+        <a:solidFill>
+          <a:schemeClr val="tx1"/>
+        </a:solidFill>
+        <a:latin typeface="+mn-lt"/>
+        <a:ea typeface="+mn-ea"/>
+        <a:cs typeface="+mn-cs"/>
+      </a:defRPr>
+    </a:lvl2pPr>
+    <a:lvl3pPr marL="914400" algn="l" defTabSz="914400" rtl="0" eaLnBrk="1" latinLnBrk="0" hangingPunct="1">
+      <a:defRPr sz="1200" kern="1200">
+        <a:solidFill>
+          <a:schemeClr val="tx1"/>
+        </a:solidFill>
+        <a:latin typeface="+mn-lt"/>
+        <a:ea typeface="+mn-ea"/>
+        <a:cs typeface="+mn-cs"/>
+      </a:defRPr>
+    </a:lvl3pPr>
+    <a:lvl4pPr marL="1371600" algn="l" defTabSz="914400" rtl="0" eaLnBrk="1" latinLnBrk="0" hangingPunct="1">
+      <a:defRPr sz="1200" kern="1200">
+        <a:solidFill>
+          <a:schemeClr val="tx1"/>
+        </a:solidFill>
+        <a:latin typeface="+mn-lt"/>
+        <a:ea typeface="+mn-ea"/>
+        <a:cs typeface="+mn-cs"/>
+      </a:defRPr>
+    </a:lvl4pPr>
+    <a:lvl5pPr marL="1828800" algn="l" defTabSz="914400" rtl="0" eaLnBrk="1" latinLnBrk="0" hangingPunct="1">
+      <a:defRPr sz="1200" kern="1200">
+        <a:solidFill>
+          <a:schemeClr val="tx1"/>
+        </a:solidFill>
+        <a:latin typeface="+mn-lt"/>
+        <a:ea typeface="+mn-ea"/>
+        <a:cs typeface="+mn-cs"/>
+      </a:defRPr>
+    </a:lvl5pPr>
+    <a:lvl6pPr marL="2286000" algn="l" defTabSz="914400" rtl="0" eaLnBrk="1" latinLnBrk="0" hangingPunct="1">
+      <a:defRPr sz="1200" kern="1200">
+        <a:solidFill>
+          <a:schemeClr val="tx1"/>
+        </a:solidFill>
+        <a:latin typeface="+mn-lt"/>
+        <a:ea typeface="+mn-ea"/>
+        <a:cs typeface="+mn-cs"/>
+      </a:defRPr>
+    </a:lvl6pPr>
+    <a:lvl7pPr marL="2743200" algn="l" defTabSz="914400" rtl="0" eaLnBrk="1" latinLnBrk="0" hangingPunct="1">
+      <a:defRPr sz="1200" kern="1200">
+        <a:solidFill>
+          <a:schemeClr val="tx1"/>
+        </a:solidFill>
+        <a:latin typeface="+mn-lt"/>
+        <a:ea typeface="+mn-ea"/>
+        <a:cs typeface="+mn-cs"/>
+      </a:defRPr>
+    </a:lvl7pPr>
+    <a:lvl8pPr marL="3200400" algn="l" defTabSz="914400" rtl="0" eaLnBrk="1" latinLnBrk="0" hangingPunct="1">
+      <a:defRPr sz="1200" kern="1200">
+        <a:solidFill>
+          <a:schemeClr val="tx1"/>
+        </a:solidFill>
+        <a:latin typeface="+mn-lt"/>
+        <a:ea typeface="+mn-ea"/>
+        <a:cs typeface="+mn-cs"/>
+      </a:defRPr>
+    </a:lvl8pPr>
+    <a:lvl9pPr marL="3657600" algn="l" defTabSz="914400" rtl="0" eaLnBrk="1" latinLnBrk="0" hangingPunct="1">
+      <a:defRPr sz="1200" kern="1200">
+        <a:solidFill>
+          <a:schemeClr val="tx1"/>
+        </a:solidFill>
+        <a:latin typeface="+mn-lt"/>
+        <a:ea typeface="+mn-ea"/>
+        <a:cs typeface="+mn-cs"/>
+      </a:defRPr>
+    </a:lvl9pPr>
+  </p:notesStyle>
+</p:notesMaster>
+</file>
+
+<file path=ppt/notesSlides/notesSlide1.xml><?xml version="1.0" encoding="utf-8"?>
+<p:notes xmlns:a="http://schemas.openxmlformats.org/drawingml/2006/main" xmlns:r="http://schemas.openxmlformats.org/officeDocument/2006/relationships" xmlns:p="http://schemas.openxmlformats.org/presentationml/2006/main">
+  <p:cSld>
+    <p:spTree>
+      <p:nvGrpSpPr>
+        <p:cNvPr id="1" name=""/>
+        <p:cNvGrpSpPr/>
+        <p:nvPr/>
+      </p:nvGrpSpPr>
+      <p:grpSpPr>
+        <a:xfrm>
+          <a:off x="0" y="0"/>
+          <a:ext cx="0" cy="0"/>
+          <a:chOff x="0" y="0"/>
+          <a:chExt cx="0" cy="0"/>
+        </a:xfrm>
+      </p:grpSpPr>
+      <p:sp>
+        <p:nvSpPr>
+          <p:cNvPr id="2" name="Espace réservé de l'image des diapositives 1"/>
+          <p:cNvSpPr>
+            <a:spLocks noGrp="1" noRot="1" noChangeAspect="1"/>
+          </p:cNvSpPr>
+          <p:nvPr>
+            <p:ph type="sldImg"/>
+          </p:nvPr>
+        </p:nvSpPr>
+        <p:spPr/>
+      </p:sp>
+      <p:sp>
+        <p:nvSpPr>
+          <p:cNvPr id="3" name="Espace réservé des notes 2"/>
+          <p:cNvSpPr>
+            <a:spLocks noGrp="1"/>
+          </p:cNvSpPr>
+          <p:nvPr>
+            <p:ph type="body" idx="1"/>
+          </p:nvPr>
+        </p:nvSpPr>
+        <p:spPr/>
+        <p:txBody>
+          <a:bodyPr/>
+          <a:lstStyle/>
+          <a:p>
+            <a:endParaRPr lang="fr-CH" dirty="0"/>
+          </a:p>
+        </p:txBody>
+      </p:sp>
+      <p:sp>
+        <p:nvSpPr>
+          <p:cNvPr id="4" name="Espace réservé du numéro de diapositive 3"/>
+          <p:cNvSpPr>
+            <a:spLocks noGrp="1"/>
+          </p:cNvSpPr>
+          <p:nvPr>
+            <p:ph type="sldNum" sz="quarter" idx="10"/>
+          </p:nvPr>
+        </p:nvSpPr>
+        <p:spPr/>
+        <p:txBody>
+          <a:bodyPr/>
+          <a:lstStyle/>
+          <a:p>
+            <a:fld id="{EC37260B-1DC5-48E4-BB85-1DFFBBA627B3}" type="slidenum">
+              <a:rPr lang="fr-CH" smtClean="0"/>
+              <a:t>8</a:t>
+            </a:fld>
+            <a:endParaRPr lang="fr-CH"/>
+          </a:p>
+        </p:txBody>
+      </p:sp>
+    </p:spTree>
+    <p:extLst>
+      <p:ext uri="{BB962C8B-B14F-4D97-AF65-F5344CB8AC3E}">
+        <p14:creationId xmlns:p14="http://schemas.microsoft.com/office/powerpoint/2010/main" val="2756209605"/>
+      </p:ext>
+    </p:extLst>
+  </p:cSld>
+  <p:clrMapOvr>
+    <a:masterClrMapping/>
+  </p:clrMapOvr>
+</p:notes>
 </file>
 
 <file path=ppt/slideLayouts/slideLayout1.xml><?xml version="1.0" encoding="utf-8"?>
@@ -6471,8 +6908,19 @@
           <a:p>
             <a:r>
               <a:rPr lang="fr-CH" dirty="0"/>
-              <a:t>Le code est développé pour simplifier l’ajout de chapitre et pour implémenter de nouvelles fonctionnalités</a:t>
-            </a:r>
+              <a:t>Le code est développé pour simplifier l’ajout de chapitre et pour implémenter de </a:t>
+            </a:r>
+            <a:r>
+              <a:rPr lang="fr-CH"/>
+              <a:t>nouvelles fonctionnalités</a:t>
+            </a:r>
+            <a:endParaRPr lang="fr-CH" dirty="0"/>
+          </a:p>
+          <a:p>
+            <a:endParaRPr lang="fr-CH" dirty="0"/>
+          </a:p>
+          <a:p>
+            <a:endParaRPr lang="fr-CH" dirty="0"/>
           </a:p>
           <a:p>
             <a:endParaRPr lang="fr-CH" dirty="0"/>
@@ -6903,6 +7351,42 @@
           </a:p>
         </p:txBody>
       </p:sp>
+      <p:pic>
+        <p:nvPicPr>
+          <p:cNvPr id="7" name="Image 6">
+            <a:extLst>
+              <a:ext uri="{FF2B5EF4-FFF2-40B4-BE49-F238E27FC236}">
+                <a16:creationId xmlns:a16="http://schemas.microsoft.com/office/drawing/2014/main" id="{660BB3DA-E17E-4553-9B13-8D9843788D48}"/>
+              </a:ext>
+            </a:extLst>
+          </p:cNvPr>
+          <p:cNvPicPr>
+            <a:picLocks noChangeAspect="1"/>
+          </p:cNvPicPr>
+          <p:nvPr/>
+        </p:nvPicPr>
+        <p:blipFill>
+          <a:blip r:embed="rId2">
+            <a:extLst>
+              <a:ext uri="{28A0092B-C50C-407E-A947-70E740481C1C}">
+                <a14:useLocalDpi xmlns:a14="http://schemas.microsoft.com/office/drawing/2010/main" val="0"/>
+              </a:ext>
+            </a:extLst>
+          </a:blip>
+          <a:stretch>
+            <a:fillRect/>
+          </a:stretch>
+        </p:blipFill>
+        <p:spPr>
+          <a:xfrm>
+            <a:off x="8116258" y="2537593"/>
+            <a:ext cx="1283746" cy="1581425"/>
+          </a:xfrm>
+          <a:prstGeom prst="rect">
+            <a:avLst/>
+          </a:prstGeom>
+        </p:spPr>
+      </p:pic>
     </p:spTree>
     <p:extLst>
       <p:ext uri="{BB962C8B-B14F-4D97-AF65-F5344CB8AC3E}">
@@ -8326,6 +8810,96 @@
           </a:p>
         </p:txBody>
       </p:sp>
+      <p:pic>
+        <p:nvPicPr>
+          <p:cNvPr id="4" name="Image 3">
+            <a:extLst>
+              <a:ext uri="{FF2B5EF4-FFF2-40B4-BE49-F238E27FC236}">
+                <a16:creationId xmlns:a16="http://schemas.microsoft.com/office/drawing/2014/main" id="{2687339F-4F5B-4691-97F3-898FC5A89D2D}"/>
+              </a:ext>
+            </a:extLst>
+          </p:cNvPr>
+          <p:cNvPicPr>
+            <a:picLocks noChangeAspect="1"/>
+          </p:cNvPicPr>
+          <p:nvPr/>
+        </p:nvPicPr>
+        <p:blipFill>
+          <a:blip r:embed="rId2">
+            <a:extLst>
+              <a:ext uri="{28A0092B-C50C-407E-A947-70E740481C1C}">
+                <a14:useLocalDpi xmlns:a14="http://schemas.microsoft.com/office/drawing/2010/main" val="0"/>
+              </a:ext>
+            </a:extLst>
+          </a:blip>
+          <a:stretch>
+            <a:fillRect/>
+          </a:stretch>
+        </p:blipFill>
+        <p:spPr>
+          <a:xfrm>
+            <a:off x="1997794" y="3787628"/>
+            <a:ext cx="10018713" cy="2384571"/>
+          </a:xfrm>
+          <a:prstGeom prst="rect">
+            <a:avLst/>
+          </a:prstGeom>
+        </p:spPr>
+      </p:pic>
+      <p:sp>
+        <p:nvSpPr>
+          <p:cNvPr id="5" name="Espace réservé du contenu 2">
+            <a:extLst>
+              <a:ext uri="{FF2B5EF4-FFF2-40B4-BE49-F238E27FC236}">
+                <a16:creationId xmlns:a16="http://schemas.microsoft.com/office/drawing/2014/main" id="{CEB61D05-2C97-4939-9A58-2F5E68DED6BF}"/>
+              </a:ext>
+            </a:extLst>
+          </p:cNvPr>
+          <p:cNvSpPr>
+            <a:spLocks noGrp="1"/>
+          </p:cNvSpPr>
+          <p:nvPr>
+            <p:ph idx="1"/>
+          </p:nvPr>
+        </p:nvSpPr>
+        <p:spPr>
+          <a:xfrm>
+            <a:off x="2173287" y="1643321"/>
+            <a:ext cx="10018713" cy="2144307"/>
+          </a:xfrm>
+        </p:spPr>
+        <p:txBody>
+          <a:bodyPr anchor="t" anchorCtr="0"/>
+          <a:lstStyle/>
+          <a:p>
+            <a:r>
+              <a:rPr lang="fr-CH" dirty="0"/>
+              <a:t>Interface graphique</a:t>
+            </a:r>
+          </a:p>
+          <a:p>
+            <a:r>
+              <a:rPr lang="fr-CH" dirty="0"/>
+              <a:t>Stockage de données</a:t>
+            </a:r>
+          </a:p>
+          <a:p>
+            <a:r>
+              <a:rPr lang="fr-CH" dirty="0"/>
+              <a:t>Accéléromètre</a:t>
+            </a:r>
+          </a:p>
+          <a:p>
+            <a:r>
+              <a:rPr lang="fr-CH" dirty="0"/>
+              <a:t>Autre</a:t>
+            </a:r>
+          </a:p>
+          <a:p>
+            <a:endParaRPr lang="fr-CH" dirty="0"/>
+          </a:p>
+        </p:txBody>
+      </p:sp>
     </p:spTree>
     <p:extLst>
       <p:ext uri="{BB962C8B-B14F-4D97-AF65-F5344CB8AC3E}">
@@ -8408,18 +8982,92 @@
         </p:nvSpPr>
         <p:spPr>
           <a:xfrm>
-            <a:off x="2703508" y="1623042"/>
+            <a:off x="2711897" y="1614653"/>
             <a:ext cx="10018713" cy="3124201"/>
           </a:xfrm>
         </p:spPr>
         <p:txBody>
-          <a:bodyPr anchor="t" anchorCtr="0"/>
+          <a:bodyPr anchor="t" anchorCtr="0">
+            <a:normAutofit/>
+          </a:bodyPr>
           <a:lstStyle/>
           <a:p>
-            <a:endParaRPr lang="fr-CH" dirty="0"/>
-          </a:p>
-        </p:txBody>
-      </p:sp>
+            <a:r>
+              <a:rPr lang="fr-CH" dirty="0"/>
+              <a:t>Implémentation</a:t>
+            </a:r>
+          </a:p>
+          <a:p>
+            <a:pPr lvl="1"/>
+            <a:r>
+              <a:rPr lang="fr-CH" dirty="0"/>
+              <a:t>Interfaces</a:t>
+            </a:r>
+          </a:p>
+          <a:p>
+            <a:pPr lvl="1"/>
+            <a:r>
+              <a:rPr lang="fr-CH" dirty="0"/>
+              <a:t>Classes</a:t>
+            </a:r>
+          </a:p>
+          <a:p>
+            <a:pPr lvl="1"/>
+            <a:r>
+              <a:rPr lang="fr-CH" dirty="0"/>
+              <a:t>Images</a:t>
+            </a:r>
+          </a:p>
+          <a:p>
+            <a:r>
+              <a:rPr lang="fr-CH" dirty="0"/>
+              <a:t>Stockage de données</a:t>
+            </a:r>
+          </a:p>
+          <a:p>
+            <a:r>
+              <a:rPr lang="fr-CH" dirty="0"/>
+              <a:t>Accéléromètre</a:t>
+            </a:r>
+          </a:p>
+        </p:txBody>
+      </p:sp>
+      <p:pic>
+        <p:nvPicPr>
+          <p:cNvPr id="7" name="Image 6">
+            <a:extLst>
+              <a:ext uri="{FF2B5EF4-FFF2-40B4-BE49-F238E27FC236}">
+                <a16:creationId xmlns:a16="http://schemas.microsoft.com/office/drawing/2014/main" id="{2D8FE7BE-EB47-4600-97C2-2F17178C74FE}"/>
+              </a:ext>
+            </a:extLst>
+          </p:cNvPr>
+          <p:cNvPicPr>
+            <a:picLocks noChangeAspect="1"/>
+          </p:cNvPicPr>
+          <p:nvPr/>
+        </p:nvPicPr>
+        <p:blipFill>
+          <a:blip r:embed="rId3">
+            <a:extLst>
+              <a:ext uri="{28A0092B-C50C-407E-A947-70E740481C1C}">
+                <a14:useLocalDpi xmlns:a14="http://schemas.microsoft.com/office/drawing/2010/main" val="0"/>
+              </a:ext>
+            </a:extLst>
+          </a:blip>
+          <a:stretch>
+            <a:fillRect/>
+          </a:stretch>
+        </p:blipFill>
+        <p:spPr>
+          <a:xfrm>
+            <a:off x="7721253" y="496041"/>
+            <a:ext cx="923753" cy="935596"/>
+          </a:xfrm>
+          <a:prstGeom prst="rect">
+            <a:avLst/>
+          </a:prstGeom>
+        </p:spPr>
+      </p:pic>
     </p:spTree>
     <p:extLst>
       <p:ext uri="{BB962C8B-B14F-4D97-AF65-F5344CB8AC3E}">
@@ -8468,7 +9116,7 @@
         </p:nvSpPr>
         <p:spPr>
           <a:xfrm>
-            <a:off x="4889663" y="1143001"/>
+            <a:off x="4867466" y="1168168"/>
             <a:ext cx="2457067" cy="1111467"/>
           </a:xfrm>
         </p:spPr>
@@ -8481,7 +9129,7 @@
             <a:pPr algn="l"/>
             <a:r>
               <a:rPr lang="fr-CH" sz="6700" dirty="0"/>
-              <a:t>Démos</a:t>
+              <a:t>Démo</a:t>
             </a:r>
             <a:endParaRPr lang="fr-CH" sz="4400" dirty="0"/>
           </a:p>
@@ -8756,6 +9404,301 @@
 </a:theme>
 </file>
 
+<file path=ppt/theme/theme2.xml><?xml version="1.0" encoding="utf-8"?>
+<a:theme xmlns:a="http://schemas.openxmlformats.org/drawingml/2006/main" name="Thème Office">
+  <a:themeElements>
+    <a:clrScheme name="Office">
+      <a:dk1>
+        <a:sysClr val="windowText" lastClr="000000"/>
+      </a:dk1>
+      <a:lt1>
+        <a:sysClr val="window" lastClr="FFFFFF"/>
+      </a:lt1>
+      <a:dk2>
+        <a:srgbClr val="44546A"/>
+      </a:dk2>
+      <a:lt2>
+        <a:srgbClr val="E7E6E6"/>
+      </a:lt2>
+      <a:accent1>
+        <a:srgbClr val="4472C4"/>
+      </a:accent1>
+      <a:accent2>
+        <a:srgbClr val="ED7D31"/>
+      </a:accent2>
+      <a:accent3>
+        <a:srgbClr val="A5A5A5"/>
+      </a:accent3>
+      <a:accent4>
+        <a:srgbClr val="FFC000"/>
+      </a:accent4>
+      <a:accent5>
+        <a:srgbClr val="5B9BD5"/>
+      </a:accent5>
+      <a:accent6>
+        <a:srgbClr val="70AD47"/>
+      </a:accent6>
+      <a:hlink>
+        <a:srgbClr val="0563C1"/>
+      </a:hlink>
+      <a:folHlink>
+        <a:srgbClr val="954F72"/>
+      </a:folHlink>
+    </a:clrScheme>
+    <a:fontScheme name="Office">
+      <a:majorFont>
+        <a:latin typeface="Calibri Light" panose="020F0302020204030204"/>
+        <a:ea typeface=""/>
+        <a:cs typeface=""/>
+        <a:font script="Jpan" typeface="游ゴシック Light"/>
+        <a:font script="Hang" typeface="맑은 고딕"/>
+        <a:font script="Hans" typeface="等线 Light"/>
+        <a:font script="Hant" typeface="新細明體"/>
+        <a:font script="Arab" typeface="Times New Roman"/>
+        <a:font script="Hebr" typeface="Times New Roman"/>
+        <a:font script="Thai" typeface="Angsana New"/>
+        <a:font script="Ethi" typeface="Nyala"/>
+        <a:font script="Beng" typeface="Vrinda"/>
+        <a:font script="Gujr" typeface="Shruti"/>
+        <a:font script="Khmr" typeface="MoolBoran"/>
+        <a:font script="Knda" typeface="Tunga"/>
+        <a:font script="Guru" typeface="Raavi"/>
+        <a:font script="Cans" typeface="Euphemia"/>
+        <a:font script="Cher" typeface="Plantagenet Cherokee"/>
+        <a:font script="Yiii" typeface="Microsoft Yi Baiti"/>
+        <a:font script="Tibt" typeface="Microsoft Himalaya"/>
+        <a:font script="Thaa" typeface="MV Boli"/>
+        <a:font script="Deva" typeface="Mangal"/>
+        <a:font script="Telu" typeface="Gautami"/>
+        <a:font script="Taml" typeface="Latha"/>
+        <a:font script="Syrc" typeface="Estrangelo Edessa"/>
+        <a:font script="Orya" typeface="Kalinga"/>
+        <a:font script="Mlym" typeface="Kartika"/>
+        <a:font script="Laoo" typeface="DokChampa"/>
+        <a:font script="Sinh" typeface="Iskoola Pota"/>
+        <a:font script="Mong" typeface="Mongolian Baiti"/>
+        <a:font script="Viet" typeface="Times New Roman"/>
+        <a:font script="Uigh" typeface="Microsoft Uighur"/>
+        <a:font script="Geor" typeface="Sylfaen"/>
+        <a:font script="Armn" typeface="Arial"/>
+        <a:font script="Bugi" typeface="Leelawadee UI"/>
+        <a:font script="Bopo" typeface="Microsoft JhengHei"/>
+        <a:font script="Java" typeface="Javanese Text"/>
+        <a:font script="Lisu" typeface="Segoe UI"/>
+        <a:font script="Mymr" typeface="Myanmar Text"/>
+        <a:font script="Nkoo" typeface="Ebrima"/>
+        <a:font script="Olck" typeface="Nirmala UI"/>
+        <a:font script="Osma" typeface="Ebrima"/>
+        <a:font script="Phag" typeface="Phagspa"/>
+        <a:font script="Syrn" typeface="Estrangelo Edessa"/>
+        <a:font script="Syrj" typeface="Estrangelo Edessa"/>
+        <a:font script="Syre" typeface="Estrangelo Edessa"/>
+        <a:font script="Sora" typeface="Nirmala UI"/>
+        <a:font script="Tale" typeface="Microsoft Tai Le"/>
+        <a:font script="Talu" typeface="Microsoft New Tai Lue"/>
+        <a:font script="Tfng" typeface="Ebrima"/>
+      </a:majorFont>
+      <a:minorFont>
+        <a:latin typeface="Calibri" panose="020F0502020204030204"/>
+        <a:ea typeface=""/>
+        <a:cs typeface=""/>
+        <a:font script="Jpan" typeface="游ゴシック"/>
+        <a:font script="Hang" typeface="맑은 고딕"/>
+        <a:font script="Hans" typeface="等线"/>
+        <a:font script="Hant" typeface="新細明體"/>
+        <a:font script="Arab" typeface="Arial"/>
+        <a:font script="Hebr" typeface="Arial"/>
+        <a:font script="Thai" typeface="Cordia New"/>
+        <a:font script="Ethi" typeface="Nyala"/>
+        <a:font script="Beng" typeface="Vrinda"/>
+        <a:font script="Gujr" typeface="Shruti"/>
+        <a:font script="Khmr" typeface="DaunPenh"/>
+        <a:font script="Knda" typeface="Tunga"/>
+        <a:font script="Guru" typeface="Raavi"/>
+        <a:font script="Cans" typeface="Euphemia"/>
+        <a:font script="Cher" typeface="Plantagenet Cherokee"/>
+        <a:font script="Yiii" typeface="Microsoft Yi Baiti"/>
+        <a:font script="Tibt" typeface="Microsoft Himalaya"/>
+        <a:font script="Thaa" typeface="MV Boli"/>
+        <a:font script="Deva" typeface="Mangal"/>
+        <a:font script="Telu" typeface="Gautami"/>
+        <a:font script="Taml" typeface="Latha"/>
+        <a:font script="Syrc" typeface="Estrangelo Edessa"/>
+        <a:font script="Orya" typeface="Kalinga"/>
+        <a:font script="Mlym" typeface="Kartika"/>
+        <a:font script="Laoo" typeface="DokChampa"/>
+        <a:font script="Sinh" typeface="Iskoola Pota"/>
+        <a:font script="Mong" typeface="Mongolian Baiti"/>
+        <a:font script="Viet" typeface="Arial"/>
+        <a:font script="Uigh" typeface="Microsoft Uighur"/>
+        <a:font script="Geor" typeface="Sylfaen"/>
+        <a:font script="Armn" typeface="Arial"/>
+        <a:font script="Bugi" typeface="Leelawadee UI"/>
+        <a:font script="Bopo" typeface="Microsoft JhengHei"/>
+        <a:font script="Java" typeface="Javanese Text"/>
+        <a:font script="Lisu" typeface="Segoe UI"/>
+        <a:font script="Mymr" typeface="Myanmar Text"/>
+        <a:font script="Nkoo" typeface="Ebrima"/>
+        <a:font script="Olck" typeface="Nirmala UI"/>
+        <a:font script="Osma" typeface="Ebrima"/>
+        <a:font script="Phag" typeface="Phagspa"/>
+        <a:font script="Syrn" typeface="Estrangelo Edessa"/>
+        <a:font script="Syrj" typeface="Estrangelo Edessa"/>
+        <a:font script="Syre" typeface="Estrangelo Edessa"/>
+        <a:font script="Sora" typeface="Nirmala UI"/>
+        <a:font script="Tale" typeface="Microsoft Tai Le"/>
+        <a:font script="Talu" typeface="Microsoft New Tai Lue"/>
+        <a:font script="Tfng" typeface="Ebrima"/>
+      </a:minorFont>
+    </a:fontScheme>
+    <a:fmtScheme name="Office">
+      <a:fillStyleLst>
+        <a:solidFill>
+          <a:schemeClr val="phClr"/>
+        </a:solidFill>
+        <a:gradFill rotWithShape="1">
+          <a:gsLst>
+            <a:gs pos="0">
+              <a:schemeClr val="phClr">
+                <a:lumMod val="110000"/>
+                <a:satMod val="105000"/>
+                <a:tint val="67000"/>
+              </a:schemeClr>
+            </a:gs>
+            <a:gs pos="50000">
+              <a:schemeClr val="phClr">
+                <a:lumMod val="105000"/>
+                <a:satMod val="103000"/>
+                <a:tint val="73000"/>
+              </a:schemeClr>
+            </a:gs>
+            <a:gs pos="100000">
+              <a:schemeClr val="phClr">
+                <a:lumMod val="105000"/>
+                <a:satMod val="109000"/>
+                <a:tint val="81000"/>
+              </a:schemeClr>
+            </a:gs>
+          </a:gsLst>
+          <a:lin ang="5400000" scaled="0"/>
+        </a:gradFill>
+        <a:gradFill rotWithShape="1">
+          <a:gsLst>
+            <a:gs pos="0">
+              <a:schemeClr val="phClr">
+                <a:satMod val="103000"/>
+                <a:lumMod val="102000"/>
+                <a:tint val="94000"/>
+              </a:schemeClr>
+            </a:gs>
+            <a:gs pos="50000">
+              <a:schemeClr val="phClr">
+                <a:satMod val="110000"/>
+                <a:lumMod val="100000"/>
+                <a:shade val="100000"/>
+              </a:schemeClr>
+            </a:gs>
+            <a:gs pos="100000">
+              <a:schemeClr val="phClr">
+                <a:lumMod val="99000"/>
+                <a:satMod val="120000"/>
+                <a:shade val="78000"/>
+              </a:schemeClr>
+            </a:gs>
+          </a:gsLst>
+          <a:lin ang="5400000" scaled="0"/>
+        </a:gradFill>
+      </a:fillStyleLst>
+      <a:lnStyleLst>
+        <a:ln w="6350" cap="flat" cmpd="sng" algn="ctr">
+          <a:solidFill>
+            <a:schemeClr val="phClr"/>
+          </a:solidFill>
+          <a:prstDash val="solid"/>
+          <a:miter lim="800000"/>
+        </a:ln>
+        <a:ln w="12700" cap="flat" cmpd="sng" algn="ctr">
+          <a:solidFill>
+            <a:schemeClr val="phClr"/>
+          </a:solidFill>
+          <a:prstDash val="solid"/>
+          <a:miter lim="800000"/>
+        </a:ln>
+        <a:ln w="19050" cap="flat" cmpd="sng" algn="ctr">
+          <a:solidFill>
+            <a:schemeClr val="phClr"/>
+          </a:solidFill>
+          <a:prstDash val="solid"/>
+          <a:miter lim="800000"/>
+        </a:ln>
+      </a:lnStyleLst>
+      <a:effectStyleLst>
+        <a:effectStyle>
+          <a:effectLst/>
+        </a:effectStyle>
+        <a:effectStyle>
+          <a:effectLst/>
+        </a:effectStyle>
+        <a:effectStyle>
+          <a:effectLst>
+            <a:outerShdw blurRad="57150" dist="19050" dir="5400000" algn="ctr" rotWithShape="0">
+              <a:srgbClr val="000000">
+                <a:alpha val="63000"/>
+              </a:srgbClr>
+            </a:outerShdw>
+          </a:effectLst>
+        </a:effectStyle>
+      </a:effectStyleLst>
+      <a:bgFillStyleLst>
+        <a:solidFill>
+          <a:schemeClr val="phClr"/>
+        </a:solidFill>
+        <a:solidFill>
+          <a:schemeClr val="phClr">
+            <a:tint val="95000"/>
+            <a:satMod val="170000"/>
+          </a:schemeClr>
+        </a:solidFill>
+        <a:gradFill rotWithShape="1">
+          <a:gsLst>
+            <a:gs pos="0">
+              <a:schemeClr val="phClr">
+                <a:tint val="93000"/>
+                <a:satMod val="150000"/>
+                <a:shade val="98000"/>
+                <a:lumMod val="102000"/>
+              </a:schemeClr>
+            </a:gs>
+            <a:gs pos="50000">
+              <a:schemeClr val="phClr">
+                <a:tint val="98000"/>
+                <a:satMod val="130000"/>
+                <a:shade val="90000"/>
+                <a:lumMod val="103000"/>
+              </a:schemeClr>
+            </a:gs>
+            <a:gs pos="100000">
+              <a:schemeClr val="phClr">
+                <a:shade val="63000"/>
+                <a:satMod val="120000"/>
+              </a:schemeClr>
+            </a:gs>
+          </a:gsLst>
+          <a:lin ang="5400000" scaled="0"/>
+        </a:gradFill>
+      </a:bgFillStyleLst>
+    </a:fmtScheme>
+  </a:themeElements>
+  <a:objectDefaults/>
+  <a:extraClrSchemeLst/>
+  <a:extLst>
+    <a:ext uri="{05A4C25C-085E-4340-85A3-A5531E510DB2}">
+      <thm15:themeFamily xmlns:thm15="http://schemas.microsoft.com/office/thememl/2012/main" name="Office Theme" id="{62F939B6-93AF-4DB8-9C6B-D6C7DFDC589F}" vid="{4A3C46E8-61CC-4603-A589-7422A47A8E4A}"/>
+    </a:ext>
+  </a:extLst>
+</a:theme>
+</file>
+
 <file path=customXml/item1.xml><?xml version="1.0" encoding="utf-8"?>
 <Control xmlns="http://schemas.microsoft.com/VisualStudio/2011/storyboarding/control">
   <Id Name="31385a6e-1adf-4105-bbd2-b3d90388bc0e" Revision="1" Stencil="System.MyShapes" StencilVersion="1.0"/>

--- a/Présentation.pptx
+++ b/Présentation.pptx
@@ -554,6 +554,90 @@
     <p:extLst>
       <p:ext uri="{BB962C8B-B14F-4D97-AF65-F5344CB8AC3E}">
         <p14:creationId xmlns:p14="http://schemas.microsoft.com/office/powerpoint/2010/main" val="2756209605"/>
+      </p:ext>
+    </p:extLst>
+  </p:cSld>
+  <p:clrMapOvr>
+    <a:masterClrMapping/>
+  </p:clrMapOvr>
+</p:notes>
+</file>
+
+<file path=ppt/notesSlides/notesSlide2.xml><?xml version="1.0" encoding="utf-8"?>
+<p:notes xmlns:a="http://schemas.openxmlformats.org/drawingml/2006/main" xmlns:r="http://schemas.openxmlformats.org/officeDocument/2006/relationships" xmlns:p="http://schemas.openxmlformats.org/presentationml/2006/main">
+  <p:cSld>
+    <p:spTree>
+      <p:nvGrpSpPr>
+        <p:cNvPr id="1" name=""/>
+        <p:cNvGrpSpPr/>
+        <p:nvPr/>
+      </p:nvGrpSpPr>
+      <p:grpSpPr>
+        <a:xfrm>
+          <a:off x="0" y="0"/>
+          <a:ext cx="0" cy="0"/>
+          <a:chOff x="0" y="0"/>
+          <a:chExt cx="0" cy="0"/>
+        </a:xfrm>
+      </p:grpSpPr>
+      <p:sp>
+        <p:nvSpPr>
+          <p:cNvPr id="2" name="Espace réservé de l'image des diapositives 1"/>
+          <p:cNvSpPr>
+            <a:spLocks noGrp="1" noRot="1" noChangeAspect="1"/>
+          </p:cNvSpPr>
+          <p:nvPr>
+            <p:ph type="sldImg"/>
+          </p:nvPr>
+        </p:nvSpPr>
+        <p:spPr/>
+      </p:sp>
+      <p:sp>
+        <p:nvSpPr>
+          <p:cNvPr id="3" name="Espace réservé des commentaires 2"/>
+          <p:cNvSpPr>
+            <a:spLocks noGrp="1"/>
+          </p:cNvSpPr>
+          <p:nvPr>
+            <p:ph type="body" idx="1"/>
+          </p:nvPr>
+        </p:nvSpPr>
+        <p:spPr/>
+        <p:txBody>
+          <a:bodyPr/>
+          <a:lstStyle/>
+          <a:p>
+            <a:endParaRPr lang="fr-CH"/>
+          </a:p>
+        </p:txBody>
+      </p:sp>
+      <p:sp>
+        <p:nvSpPr>
+          <p:cNvPr id="4" name="Espace réservé du numéro de diapositive 3"/>
+          <p:cNvSpPr>
+            <a:spLocks noGrp="1"/>
+          </p:cNvSpPr>
+          <p:nvPr>
+            <p:ph type="sldNum" sz="quarter" idx="10"/>
+          </p:nvPr>
+        </p:nvSpPr>
+        <p:spPr/>
+        <p:txBody>
+          <a:bodyPr/>
+          <a:lstStyle/>
+          <a:p>
+            <a:fld id="{EC37260B-1DC5-48E4-BB85-1DFFBBA627B3}" type="slidenum">
+              <a:rPr lang="fr-CH" smtClean="0"/>
+              <a:t>10</a:t>
+            </a:fld>
+            <a:endParaRPr lang="fr-CH"/>
+          </a:p>
+        </p:txBody>
+      </p:sp>
+    </p:spTree>
+    <p:extLst>
+      <p:ext uri="{BB962C8B-B14F-4D97-AF65-F5344CB8AC3E}">
+        <p14:creationId xmlns:p14="http://schemas.microsoft.com/office/powerpoint/2010/main" val="41276948"/>
       </p:ext>
     </p:extLst>
   </p:cSld>
@@ -6734,7 +6818,7 @@
           <p:cNvPr id="2" name="Titre 1">
             <a:extLst>
               <a:ext uri="{FF2B5EF4-FFF2-40B4-BE49-F238E27FC236}">
-                <a16:creationId xmlns:a16="http://schemas.microsoft.com/office/drawing/2014/main" id="{0CFB33AD-2436-4082-A673-DA992A59D7CF}"/>
+                <a16:creationId xmlns:a16="http://schemas.microsoft.com/office/drawing/2014/main" xmlns="" id="{0CFB33AD-2436-4082-A673-DA992A59D7CF}"/>
               </a:ext>
             </a:extLst>
           </p:cNvPr>
@@ -6772,7 +6856,7 @@
           <p:cNvPr id="3" name="Sous-titre 2">
             <a:extLst>
               <a:ext uri="{FF2B5EF4-FFF2-40B4-BE49-F238E27FC236}">
-                <a16:creationId xmlns:a16="http://schemas.microsoft.com/office/drawing/2014/main" id="{9E2C14B6-E253-464E-B1EA-4FD993CE647E}"/>
+                <a16:creationId xmlns:a16="http://schemas.microsoft.com/office/drawing/2014/main" xmlns="" id="{9E2C14B6-E253-464E-B1EA-4FD993CE647E}"/>
               </a:ext>
             </a:extLst>
           </p:cNvPr>
@@ -6820,6 +6904,13 @@
   <p:clrMapOvr>
     <a:masterClrMapping/>
   </p:clrMapOvr>
+  <p:timing>
+    <p:tnLst>
+      <p:par>
+        <p:cTn id="1" dur="indefinite" restart="never" nodeType="tmRoot"/>
+      </p:par>
+    </p:tnLst>
+  </p:timing>
 </p:sld>
 </file>
 
@@ -6845,7 +6936,7 @@
           <p:cNvPr id="2" name="Titre 1">
             <a:extLst>
               <a:ext uri="{FF2B5EF4-FFF2-40B4-BE49-F238E27FC236}">
-                <a16:creationId xmlns:a16="http://schemas.microsoft.com/office/drawing/2014/main" id="{E3F33306-D4C8-47FD-B767-4C26F1291E90}"/>
+                <a16:creationId xmlns:a16="http://schemas.microsoft.com/office/drawing/2014/main" xmlns="" id="{E3F33306-D4C8-47FD-B767-4C26F1291E90}"/>
               </a:ext>
             </a:extLst>
           </p:cNvPr>
@@ -6879,7 +6970,7 @@
           <p:cNvPr id="3" name="Espace réservé du contenu 2">
             <a:extLst>
               <a:ext uri="{FF2B5EF4-FFF2-40B4-BE49-F238E27FC236}">
-                <a16:creationId xmlns:a16="http://schemas.microsoft.com/office/drawing/2014/main" id="{E2D72BF4-97A8-4FF9-9406-29B2A8E42FC2}"/>
+                <a16:creationId xmlns:a16="http://schemas.microsoft.com/office/drawing/2014/main" xmlns="" id="{E2D72BF4-97A8-4FF9-9406-29B2A8E42FC2}"/>
               </a:ext>
             </a:extLst>
           </p:cNvPr>
@@ -6892,31 +6983,77 @@
         </p:nvSpPr>
         <p:spPr>
           <a:xfrm>
-            <a:off x="2703508" y="1623042"/>
-            <a:ext cx="10018713" cy="3124201"/>
+            <a:off x="2703509" y="1623042"/>
+            <a:ext cx="9147116" cy="3582942"/>
           </a:xfrm>
         </p:spPr>
         <p:txBody>
-          <a:bodyPr anchor="t" anchorCtr="0"/>
+          <a:bodyPr anchor="t" anchorCtr="0">
+            <a:normAutofit fontScale="92500" lnSpcReduction="20000"/>
+          </a:bodyPr>
           <a:lstStyle/>
           <a:p>
+            <a:pPr marL="0" indent="0">
+              <a:buNone/>
+            </a:pPr>
+            <a:r>
+              <a:rPr lang="fr-CH" dirty="0" smtClean="0"/>
+              <a:t>Point positif</a:t>
+            </a:r>
+            <a:endParaRPr lang="fr-CH" dirty="0" smtClean="0"/>
+          </a:p>
+          <a:p>
+            <a:r>
+              <a:rPr lang="fr-CH" dirty="0" smtClean="0"/>
+              <a:t>Le </a:t>
+            </a:r>
             <a:r>
               <a:rPr lang="fr-CH" dirty="0"/>
-              <a:t>Le projet est terminé et le cahier des charges est presque remplie</a:t>
+              <a:t>projet est terminé et le cahier des charges est presque remplie</a:t>
             </a:r>
           </a:p>
           <a:p>
             <a:r>
               <a:rPr lang="fr-CH" dirty="0"/>
-              <a:t>Le code est développé pour simplifier l’ajout de chapitre et pour implémenter de </a:t>
-            </a:r>
-            <a:r>
-              <a:rPr lang="fr-CH"/>
-              <a:t>nouvelles fonctionnalités</a:t>
-            </a:r>
+              <a:t>Le code est développé pour simplifier l’ajout de chapitre et pour </a:t>
+            </a:r>
+            <a:r>
+              <a:rPr lang="fr-CH" dirty="0" smtClean="0"/>
+              <a:t>l’implémentation </a:t>
+            </a:r>
+            <a:r>
+              <a:rPr lang="fr-CH" dirty="0"/>
+              <a:t>de nouvelles </a:t>
+            </a:r>
+            <a:r>
+              <a:rPr lang="fr-CH" dirty="0" smtClean="0"/>
+              <a:t>fonctionnalités</a:t>
+            </a:r>
+          </a:p>
+          <a:p>
             <a:endParaRPr lang="fr-CH" dirty="0"/>
           </a:p>
           <a:p>
+            <a:pPr marL="0" indent="0">
+              <a:buNone/>
+            </a:pPr>
+            <a:r>
+              <a:rPr lang="fr-CH" dirty="0" smtClean="0"/>
+              <a:t>Point négatif</a:t>
+            </a:r>
+            <a:endParaRPr lang="fr-CH" dirty="0"/>
+          </a:p>
+          <a:p>
+            <a:r>
+              <a:rPr lang="fr-CH" dirty="0" smtClean="0"/>
+              <a:t>Les animations des combats et des bonus ont été remplacés par des images</a:t>
+            </a:r>
+          </a:p>
+          <a:p>
+            <a:r>
+              <a:rPr lang="fr-CH" dirty="0" smtClean="0"/>
+              <a:t>L’utilisation de l’accéléromètre pour calculer une distance n’est pas très pratique</a:t>
+            </a:r>
             <a:endParaRPr lang="fr-CH" dirty="0"/>
           </a:p>
           <a:p>
@@ -6937,6 +7074,13 @@
   <p:clrMapOvr>
     <a:masterClrMapping/>
   </p:clrMapOvr>
+  <p:timing>
+    <p:tnLst>
+      <p:par>
+        <p:cTn id="1" dur="indefinite" restart="never" nodeType="tmRoot"/>
+      </p:par>
+    </p:tnLst>
+  </p:timing>
 </p:sld>
 </file>
 
@@ -6962,7 +7106,7 @@
           <p:cNvPr id="2" name="Titre 1">
             <a:extLst>
               <a:ext uri="{FF2B5EF4-FFF2-40B4-BE49-F238E27FC236}">
-                <a16:creationId xmlns:a16="http://schemas.microsoft.com/office/drawing/2014/main" id="{E3F33306-D4C8-47FD-B767-4C26F1291E90}"/>
+                <a16:creationId xmlns:a16="http://schemas.microsoft.com/office/drawing/2014/main" xmlns="" id="{E3F33306-D4C8-47FD-B767-4C26F1291E90}"/>
               </a:ext>
             </a:extLst>
           </p:cNvPr>
@@ -7027,7 +7171,7 @@
           <p:cNvPr id="2" name="Titre 1">
             <a:extLst>
               <a:ext uri="{FF2B5EF4-FFF2-40B4-BE49-F238E27FC236}">
-                <a16:creationId xmlns:a16="http://schemas.microsoft.com/office/drawing/2014/main" id="{E3F33306-D4C8-47FD-B767-4C26F1291E90}"/>
+                <a16:creationId xmlns:a16="http://schemas.microsoft.com/office/drawing/2014/main" xmlns="" id="{E3F33306-D4C8-47FD-B767-4C26F1291E90}"/>
               </a:ext>
             </a:extLst>
           </p:cNvPr>
@@ -7061,7 +7205,7 @@
           <p:cNvPr id="4" name="Espace réservé du contenu 2">
             <a:extLst>
               <a:ext uri="{FF2B5EF4-FFF2-40B4-BE49-F238E27FC236}">
-                <a16:creationId xmlns:a16="http://schemas.microsoft.com/office/drawing/2014/main" id="{049C4395-38C4-4B0C-8910-A8F7BF702D03}"/>
+                <a16:creationId xmlns:a16="http://schemas.microsoft.com/office/drawing/2014/main" xmlns="" id="{049C4395-38C4-4B0C-8910-A8F7BF702D03}"/>
               </a:ext>
             </a:extLst>
           </p:cNvPr>
@@ -7356,7 +7500,7 @@
           <p:cNvPr id="7" name="Image 6">
             <a:extLst>
               <a:ext uri="{FF2B5EF4-FFF2-40B4-BE49-F238E27FC236}">
-                <a16:creationId xmlns:a16="http://schemas.microsoft.com/office/drawing/2014/main" id="{660BB3DA-E17E-4553-9B13-8D9843788D48}"/>
+                <a16:creationId xmlns:a16="http://schemas.microsoft.com/office/drawing/2014/main" xmlns="" id="{660BB3DA-E17E-4553-9B13-8D9843788D48}"/>
               </a:ext>
             </a:extLst>
           </p:cNvPr>
@@ -7422,7 +7566,7 @@
           <p:cNvPr id="2" name="Titre 1">
             <a:extLst>
               <a:ext uri="{FF2B5EF4-FFF2-40B4-BE49-F238E27FC236}">
-                <a16:creationId xmlns:a16="http://schemas.microsoft.com/office/drawing/2014/main" id="{E3F33306-D4C8-47FD-B767-4C26F1291E90}"/>
+                <a16:creationId xmlns:a16="http://schemas.microsoft.com/office/drawing/2014/main" xmlns="" id="{E3F33306-D4C8-47FD-B767-4C26F1291E90}"/>
               </a:ext>
             </a:extLst>
           </p:cNvPr>
@@ -7456,7 +7600,7 @@
           <p:cNvPr id="3" name="Espace réservé du contenu 2">
             <a:extLst>
               <a:ext uri="{FF2B5EF4-FFF2-40B4-BE49-F238E27FC236}">
-                <a16:creationId xmlns:a16="http://schemas.microsoft.com/office/drawing/2014/main" id="{E2D72BF4-97A8-4FF9-9406-29B2A8E42FC2}"/>
+                <a16:creationId xmlns:a16="http://schemas.microsoft.com/office/drawing/2014/main" xmlns="" id="{E2D72BF4-97A8-4FF9-9406-29B2A8E42FC2}"/>
               </a:ext>
             </a:extLst>
           </p:cNvPr>
@@ -7540,7 +7684,7 @@
           <p:cNvPr id="2" name="Titre 1">
             <a:extLst>
               <a:ext uri="{FF2B5EF4-FFF2-40B4-BE49-F238E27FC236}">
-                <a16:creationId xmlns:a16="http://schemas.microsoft.com/office/drawing/2014/main" id="{E3F33306-D4C8-47FD-B767-4C26F1291E90}"/>
+                <a16:creationId xmlns:a16="http://schemas.microsoft.com/office/drawing/2014/main" xmlns="" id="{E3F33306-D4C8-47FD-B767-4C26F1291E90}"/>
               </a:ext>
             </a:extLst>
           </p:cNvPr>
@@ -7574,7 +7718,7 @@
           <p:cNvPr id="3" name="Espace réservé du contenu 2">
             <a:extLst>
               <a:ext uri="{FF2B5EF4-FFF2-40B4-BE49-F238E27FC236}">
-                <a16:creationId xmlns:a16="http://schemas.microsoft.com/office/drawing/2014/main" id="{E2D72BF4-97A8-4FF9-9406-29B2A8E42FC2}"/>
+                <a16:creationId xmlns:a16="http://schemas.microsoft.com/office/drawing/2014/main" xmlns="" id="{E2D72BF4-97A8-4FF9-9406-29B2A8E42FC2}"/>
               </a:ext>
             </a:extLst>
           </p:cNvPr>
@@ -7680,7 +7824,7 @@
           <p:cNvPr id="67" name="Group 35">
             <a:extLst>
               <a:ext uri="{FF2B5EF4-FFF2-40B4-BE49-F238E27FC236}">
-                <a16:creationId xmlns:a16="http://schemas.microsoft.com/office/drawing/2014/main" id="{D6BA167A-D3C3-4EE8-8B5E-13679208725E}"/>
+                <a16:creationId xmlns:a16="http://schemas.microsoft.com/office/drawing/2014/main" xmlns="" id="{D6BA167A-D3C3-4EE8-8B5E-13679208725E}"/>
               </a:ext>
             </a:extLst>
           </p:cNvPr>
@@ -7690,7 +7834,7 @@
           <p:nvPr>
             <p:extLst>
               <p:ext uri="{386F3935-93C4-4BCD-93E2-E3B085C9AB24}">
-                <p16:designElem xmlns:p16="http://schemas.microsoft.com/office/powerpoint/2015/main" val="1"/>
+                <p16:designElem xmlns:p16="http://schemas.microsoft.com/office/powerpoint/2015/main" xmlns="" val="1"/>
               </p:ext>
             </p:extLst>
           </p:nvPr>
@@ -7708,7 +7852,7 @@
             <p:cNvPr id="37" name="Freeform 6">
               <a:extLst>
                 <a:ext uri="{FF2B5EF4-FFF2-40B4-BE49-F238E27FC236}">
-                  <a16:creationId xmlns:a16="http://schemas.microsoft.com/office/drawing/2014/main" id="{810CA83B-630E-45DB-ADCB-F0260428513D}"/>
+                  <a16:creationId xmlns:a16="http://schemas.microsoft.com/office/drawing/2014/main" xmlns="" id="{810CA83B-630E-45DB-ADCB-F0260428513D}"/>
                 </a:ext>
               </a:extLst>
             </p:cNvPr>
@@ -7716,7 +7860,7 @@
             <p:nvPr>
               <p:extLst>
                 <p:ext uri="{386F3935-93C4-4BCD-93E2-E3B085C9AB24}">
-                  <p16:designElem xmlns:p16="http://schemas.microsoft.com/office/powerpoint/2015/main" val="1"/>
+                  <p16:designElem xmlns:p16="http://schemas.microsoft.com/office/powerpoint/2015/main" xmlns="" val="1"/>
                 </p:ext>
               </p:extLst>
             </p:nvPr>
@@ -7766,7 +7910,7 @@
             <p:cNvPr id="38" name="Freeform 7">
               <a:extLst>
                 <a:ext uri="{FF2B5EF4-FFF2-40B4-BE49-F238E27FC236}">
-                  <a16:creationId xmlns:a16="http://schemas.microsoft.com/office/drawing/2014/main" id="{7A57B554-6973-429A-818B-524C03DA479E}"/>
+                  <a16:creationId xmlns:a16="http://schemas.microsoft.com/office/drawing/2014/main" xmlns="" id="{7A57B554-6973-429A-818B-524C03DA479E}"/>
                 </a:ext>
               </a:extLst>
             </p:cNvPr>
@@ -7774,7 +7918,7 @@
             <p:nvPr>
               <p:extLst>
                 <p:ext uri="{386F3935-93C4-4BCD-93E2-E3B085C9AB24}">
-                  <p16:designElem xmlns:p16="http://schemas.microsoft.com/office/powerpoint/2015/main" val="1"/>
+                  <p16:designElem xmlns:p16="http://schemas.microsoft.com/office/powerpoint/2015/main" xmlns="" val="1"/>
                 </p:ext>
               </p:extLst>
             </p:nvPr>
@@ -7830,7 +7974,7 @@
             <p:cNvPr id="39" name="Freeform 9">
               <a:extLst>
                 <a:ext uri="{FF2B5EF4-FFF2-40B4-BE49-F238E27FC236}">
-                  <a16:creationId xmlns:a16="http://schemas.microsoft.com/office/drawing/2014/main" id="{89ED2DB2-F3BB-4B5E-84E6-CC259E394AF3}"/>
+                  <a16:creationId xmlns:a16="http://schemas.microsoft.com/office/drawing/2014/main" xmlns="" id="{89ED2DB2-F3BB-4B5E-84E6-CC259E394AF3}"/>
                 </a:ext>
               </a:extLst>
             </p:cNvPr>
@@ -7838,7 +7982,7 @@
             <p:nvPr>
               <p:extLst>
                 <p:ext uri="{386F3935-93C4-4BCD-93E2-E3B085C9AB24}">
-                  <p16:designElem xmlns:p16="http://schemas.microsoft.com/office/powerpoint/2015/main" val="1"/>
+                  <p16:designElem xmlns:p16="http://schemas.microsoft.com/office/powerpoint/2015/main" xmlns="" val="1"/>
                 </p:ext>
               </p:extLst>
             </p:nvPr>
@@ -7888,7 +8032,7 @@
             <p:cNvPr id="40" name="Freeform 10">
               <a:extLst>
                 <a:ext uri="{FF2B5EF4-FFF2-40B4-BE49-F238E27FC236}">
-                  <a16:creationId xmlns:a16="http://schemas.microsoft.com/office/drawing/2014/main" id="{93816493-5723-43CF-95A9-2CDEC9B11D76}"/>
+                  <a16:creationId xmlns:a16="http://schemas.microsoft.com/office/drawing/2014/main" xmlns="" id="{93816493-5723-43CF-95A9-2CDEC9B11D76}"/>
                 </a:ext>
               </a:extLst>
             </p:cNvPr>
@@ -7896,7 +8040,7 @@
             <p:nvPr>
               <p:extLst>
                 <p:ext uri="{386F3935-93C4-4BCD-93E2-E3B085C9AB24}">
-                  <p16:designElem xmlns:p16="http://schemas.microsoft.com/office/powerpoint/2015/main" val="1"/>
+                  <p16:designElem xmlns:p16="http://schemas.microsoft.com/office/powerpoint/2015/main" xmlns="" val="1"/>
                 </p:ext>
               </p:extLst>
             </p:nvPr>
@@ -7945,7 +8089,7 @@
             <p:cNvPr id="41" name="Freeform 11">
               <a:extLst>
                 <a:ext uri="{FF2B5EF4-FFF2-40B4-BE49-F238E27FC236}">
-                  <a16:creationId xmlns:a16="http://schemas.microsoft.com/office/drawing/2014/main" id="{A9964935-0316-4743-BD2E-35B86AF480C4}"/>
+                  <a16:creationId xmlns:a16="http://schemas.microsoft.com/office/drawing/2014/main" xmlns="" id="{A9964935-0316-4743-BD2E-35B86AF480C4}"/>
                 </a:ext>
               </a:extLst>
             </p:cNvPr>
@@ -7953,7 +8097,7 @@
             <p:nvPr>
               <p:extLst>
                 <p:ext uri="{386F3935-93C4-4BCD-93E2-E3B085C9AB24}">
-                  <p16:designElem xmlns:p16="http://schemas.microsoft.com/office/powerpoint/2015/main" val="1"/>
+                  <p16:designElem xmlns:p16="http://schemas.microsoft.com/office/powerpoint/2015/main" xmlns="" val="1"/>
                 </p:ext>
               </p:extLst>
             </p:nvPr>
@@ -8008,7 +8152,7 @@
             <p:cNvPr id="42" name="Freeform 12">
               <a:extLst>
                 <a:ext uri="{FF2B5EF4-FFF2-40B4-BE49-F238E27FC236}">
-                  <a16:creationId xmlns:a16="http://schemas.microsoft.com/office/drawing/2014/main" id="{2B20A700-1547-48D5-AA6F-C1473539C70F}"/>
+                  <a16:creationId xmlns:a16="http://schemas.microsoft.com/office/drawing/2014/main" xmlns="" id="{2B20A700-1547-48D5-AA6F-C1473539C70F}"/>
                 </a:ext>
               </a:extLst>
             </p:cNvPr>
@@ -8016,7 +8160,7 @@
             <p:nvPr>
               <p:extLst>
                 <p:ext uri="{386F3935-93C4-4BCD-93E2-E3B085C9AB24}">
-                  <p16:designElem xmlns:p16="http://schemas.microsoft.com/office/powerpoint/2015/main" val="1"/>
+                  <p16:designElem xmlns:p16="http://schemas.microsoft.com/office/powerpoint/2015/main" xmlns="" val="1"/>
                 </p:ext>
               </p:extLst>
             </p:nvPr>
@@ -8079,7 +8223,7 @@
           <p:cNvPr id="68" name="Image 3">
             <a:extLst>
               <a:ext uri="{FF2B5EF4-FFF2-40B4-BE49-F238E27FC236}">
-                <a16:creationId xmlns:a16="http://schemas.microsoft.com/office/drawing/2014/main" id="{18141A38-AC60-4E7E-8F00-FFAA456581A5}"/>
+                <a16:creationId xmlns:a16="http://schemas.microsoft.com/office/drawing/2014/main" xmlns="" id="{18141A38-AC60-4E7E-8F00-FFAA456581A5}"/>
               </a:ext>
             </a:extLst>
           </p:cNvPr>
@@ -8135,7 +8279,7 @@
           <p:cNvPr id="2" name="Titre 1">
             <a:extLst>
               <a:ext uri="{FF2B5EF4-FFF2-40B4-BE49-F238E27FC236}">
-                <a16:creationId xmlns:a16="http://schemas.microsoft.com/office/drawing/2014/main" id="{CA7F0D2B-BBB7-4CF6-824A-DFB52F783BF6}"/>
+                <a16:creationId xmlns:a16="http://schemas.microsoft.com/office/drawing/2014/main" xmlns="" id="{CA7F0D2B-BBB7-4CF6-824A-DFB52F783BF6}"/>
               </a:ext>
             </a:extLst>
           </p:cNvPr>
@@ -8213,7 +8357,7 @@
           <p:cNvPr id="2" name="Titre 1">
             <a:extLst>
               <a:ext uri="{FF2B5EF4-FFF2-40B4-BE49-F238E27FC236}">
-                <a16:creationId xmlns:a16="http://schemas.microsoft.com/office/drawing/2014/main" id="{E3F33306-D4C8-47FD-B767-4C26F1291E90}"/>
+                <a16:creationId xmlns:a16="http://schemas.microsoft.com/office/drawing/2014/main" xmlns="" id="{E3F33306-D4C8-47FD-B767-4C26F1291E90}"/>
               </a:ext>
             </a:extLst>
           </p:cNvPr>
@@ -8247,7 +8391,7 @@
           <p:cNvPr id="3" name="Espace réservé du contenu 2">
             <a:extLst>
               <a:ext uri="{FF2B5EF4-FFF2-40B4-BE49-F238E27FC236}">
-                <a16:creationId xmlns:a16="http://schemas.microsoft.com/office/drawing/2014/main" id="{E2D72BF4-97A8-4FF9-9406-29B2A8E42FC2}"/>
+                <a16:creationId xmlns:a16="http://schemas.microsoft.com/office/drawing/2014/main" xmlns="" id="{E2D72BF4-97A8-4FF9-9406-29B2A8E42FC2}"/>
               </a:ext>
             </a:extLst>
           </p:cNvPr>
@@ -8301,7 +8445,7 @@
           <p:cNvPr id="4" name="Image 3">
             <a:extLst>
               <a:ext uri="{FF2B5EF4-FFF2-40B4-BE49-F238E27FC236}">
-                <a16:creationId xmlns:a16="http://schemas.microsoft.com/office/drawing/2014/main" id="{FAF10768-8CD8-4EE8-98C2-8C9C124CCFC6}"/>
+                <a16:creationId xmlns:a16="http://schemas.microsoft.com/office/drawing/2014/main" xmlns="" id="{FAF10768-8CD8-4EE8-98C2-8C9C124CCFC6}"/>
               </a:ext>
             </a:extLst>
           </p:cNvPr>
@@ -8331,7 +8475,7 @@
           <p:cNvPr id="5" name="Image 4">
             <a:extLst>
               <a:ext uri="{FF2B5EF4-FFF2-40B4-BE49-F238E27FC236}">
-                <a16:creationId xmlns:a16="http://schemas.microsoft.com/office/drawing/2014/main" id="{07C8896F-D9DD-4F5E-B4CD-7B458002FB07}"/>
+                <a16:creationId xmlns:a16="http://schemas.microsoft.com/office/drawing/2014/main" xmlns="" id="{07C8896F-D9DD-4F5E-B4CD-7B458002FB07}"/>
               </a:ext>
             </a:extLst>
           </p:cNvPr>
@@ -8361,7 +8505,7 @@
           <p:cNvPr id="6" name="Image 5">
             <a:extLst>
               <a:ext uri="{FF2B5EF4-FFF2-40B4-BE49-F238E27FC236}">
-                <a16:creationId xmlns:a16="http://schemas.microsoft.com/office/drawing/2014/main" id="{E7EF9D6E-222B-4579-BB16-23E565DB9B51}"/>
+                <a16:creationId xmlns:a16="http://schemas.microsoft.com/office/drawing/2014/main" xmlns="" id="{E7EF9D6E-222B-4579-BB16-23E565DB9B51}"/>
               </a:ext>
             </a:extLst>
           </p:cNvPr>
@@ -8391,7 +8535,7 @@
           <p:cNvPr id="7" name="Image 6">
             <a:extLst>
               <a:ext uri="{FF2B5EF4-FFF2-40B4-BE49-F238E27FC236}">
-                <a16:creationId xmlns:a16="http://schemas.microsoft.com/office/drawing/2014/main" id="{1AACB9B4-3BEE-49F9-B84B-98CF69073D91}"/>
+                <a16:creationId xmlns:a16="http://schemas.microsoft.com/office/drawing/2014/main" xmlns="" id="{1AACB9B4-3BEE-49F9-B84B-98CF69073D91}"/>
               </a:ext>
             </a:extLst>
           </p:cNvPr>
@@ -8421,7 +8565,7 @@
           <p:cNvPr id="8" name="Image 7">
             <a:extLst>
               <a:ext uri="{FF2B5EF4-FFF2-40B4-BE49-F238E27FC236}">
-                <a16:creationId xmlns:a16="http://schemas.microsoft.com/office/drawing/2014/main" id="{4BD348E5-9ADC-4CAB-861F-210D20AE68DB}"/>
+                <a16:creationId xmlns:a16="http://schemas.microsoft.com/office/drawing/2014/main" xmlns="" id="{4BD348E5-9ADC-4CAB-861F-210D20AE68DB}"/>
               </a:ext>
             </a:extLst>
           </p:cNvPr>
@@ -8781,7 +8925,7 @@
           <p:cNvPr id="2" name="Titre 1">
             <a:extLst>
               <a:ext uri="{FF2B5EF4-FFF2-40B4-BE49-F238E27FC236}">
-                <a16:creationId xmlns:a16="http://schemas.microsoft.com/office/drawing/2014/main" id="{E3F33306-D4C8-47FD-B767-4C26F1291E90}"/>
+                <a16:creationId xmlns:a16="http://schemas.microsoft.com/office/drawing/2014/main" xmlns="" id="{E3F33306-D4C8-47FD-B767-4C26F1291E90}"/>
               </a:ext>
             </a:extLst>
           </p:cNvPr>
@@ -8815,7 +8959,7 @@
           <p:cNvPr id="4" name="Image 3">
             <a:extLst>
               <a:ext uri="{FF2B5EF4-FFF2-40B4-BE49-F238E27FC236}">
-                <a16:creationId xmlns:a16="http://schemas.microsoft.com/office/drawing/2014/main" id="{2687339F-4F5B-4691-97F3-898FC5A89D2D}"/>
+                <a16:creationId xmlns:a16="http://schemas.microsoft.com/office/drawing/2014/main" xmlns="" id="{2687339F-4F5B-4691-97F3-898FC5A89D2D}"/>
               </a:ext>
             </a:extLst>
           </p:cNvPr>
@@ -8851,7 +8995,7 @@
           <p:cNvPr id="5" name="Espace réservé du contenu 2">
             <a:extLst>
               <a:ext uri="{FF2B5EF4-FFF2-40B4-BE49-F238E27FC236}">
-                <a16:creationId xmlns:a16="http://schemas.microsoft.com/office/drawing/2014/main" id="{CEB61D05-2C97-4939-9A58-2F5E68DED6BF}"/>
+                <a16:creationId xmlns:a16="http://schemas.microsoft.com/office/drawing/2014/main" xmlns="" id="{CEB61D05-2C97-4939-9A58-2F5E68DED6BF}"/>
               </a:ext>
             </a:extLst>
           </p:cNvPr>
@@ -8935,7 +9079,7 @@
           <p:cNvPr id="2" name="Titre 1">
             <a:extLst>
               <a:ext uri="{FF2B5EF4-FFF2-40B4-BE49-F238E27FC236}">
-                <a16:creationId xmlns:a16="http://schemas.microsoft.com/office/drawing/2014/main" id="{E3F33306-D4C8-47FD-B767-4C26F1291E90}"/>
+                <a16:creationId xmlns:a16="http://schemas.microsoft.com/office/drawing/2014/main" xmlns="" id="{E3F33306-D4C8-47FD-B767-4C26F1291E90}"/>
               </a:ext>
             </a:extLst>
           </p:cNvPr>
@@ -8969,7 +9113,7 @@
           <p:cNvPr id="3" name="Espace réservé du contenu 2">
             <a:extLst>
               <a:ext uri="{FF2B5EF4-FFF2-40B4-BE49-F238E27FC236}">
-                <a16:creationId xmlns:a16="http://schemas.microsoft.com/office/drawing/2014/main" id="{E2D72BF4-97A8-4FF9-9406-29B2A8E42FC2}"/>
+                <a16:creationId xmlns:a16="http://schemas.microsoft.com/office/drawing/2014/main" xmlns="" id="{E2D72BF4-97A8-4FF9-9406-29B2A8E42FC2}"/>
               </a:ext>
             </a:extLst>
           </p:cNvPr>
@@ -9037,7 +9181,7 @@
           <p:cNvPr id="7" name="Image 6">
             <a:extLst>
               <a:ext uri="{FF2B5EF4-FFF2-40B4-BE49-F238E27FC236}">
-                <a16:creationId xmlns:a16="http://schemas.microsoft.com/office/drawing/2014/main" id="{2D8FE7BE-EB47-4600-97C2-2F17178C74FE}"/>
+                <a16:creationId xmlns:a16="http://schemas.microsoft.com/office/drawing/2014/main" xmlns="" id="{2D8FE7BE-EB47-4600-97C2-2F17178C74FE}"/>
               </a:ext>
             </a:extLst>
           </p:cNvPr>
@@ -9103,7 +9247,7 @@
           <p:cNvPr id="2" name="Titre 1">
             <a:extLst>
               <a:ext uri="{FF2B5EF4-FFF2-40B4-BE49-F238E27FC236}">
-                <a16:creationId xmlns:a16="http://schemas.microsoft.com/office/drawing/2014/main" id="{E3F33306-D4C8-47FD-B767-4C26F1291E90}"/>
+                <a16:creationId xmlns:a16="http://schemas.microsoft.com/office/drawing/2014/main" xmlns="" id="{E3F33306-D4C8-47FD-B767-4C26F1291E90}"/>
               </a:ext>
             </a:extLst>
           </p:cNvPr>
@@ -9145,6 +9289,13 @@
   <p:clrMapOvr>
     <a:masterClrMapping/>
   </p:clrMapOvr>
+  <p:timing>
+    <p:tnLst>
+      <p:par>
+        <p:cTn id="1" dur="indefinite" restart="never" nodeType="tmRoot"/>
+      </p:par>
+    </p:tnLst>
+  </p:timing>
 </p:sld>
 </file>
 

--- a/Présentation.pptx
+++ b/Présentation.pptx
@@ -523,7 +523,88 @@
           <a:bodyPr/>
           <a:lstStyle/>
           <a:p>
-            <a:endParaRPr lang="fr-CH" dirty="0"/>
+            <a:r>
+              <a:rPr lang="fr-CH" dirty="0"/>
+              <a:t>Interface graphique </a:t>
+            </a:r>
+            <a:r>
+              <a:rPr lang="fr-CH" dirty="0">
+                <a:sym typeface="Wingdings" panose="05000000000000000000" pitchFamily="2" charset="2"/>
+              </a:rPr>
+              <a:t> </a:t>
+            </a:r>
+            <a:r>
+              <a:rPr lang="fr-CH" dirty="0" err="1">
+                <a:sym typeface="Wingdings" panose="05000000000000000000" pitchFamily="2" charset="2"/>
+              </a:rPr>
+              <a:t>Gab</a:t>
+            </a:r>
+            <a:endParaRPr lang="fr-CH" dirty="0">
+              <a:sym typeface="Wingdings" panose="05000000000000000000" pitchFamily="2" charset="2"/>
+            </a:endParaRPr>
+          </a:p>
+          <a:p>
+            <a:endParaRPr lang="fr-CH" dirty="0">
+              <a:sym typeface="Wingdings" panose="05000000000000000000" pitchFamily="2" charset="2"/>
+            </a:endParaRPr>
+          </a:p>
+          <a:p>
+            <a:r>
+              <a:rPr lang="fr-CH" dirty="0">
+                <a:sym typeface="Wingdings" panose="05000000000000000000" pitchFamily="2" charset="2"/>
+              </a:rPr>
+              <a:t>Stockage de donnée  </a:t>
+            </a:r>
+            <a:r>
+              <a:rPr lang="fr-CH" dirty="0" err="1">
+                <a:sym typeface="Wingdings" panose="05000000000000000000" pitchFamily="2" charset="2"/>
+              </a:rPr>
+              <a:t>Gab</a:t>
+            </a:r>
+            <a:r>
+              <a:rPr lang="fr-CH" dirty="0">
+                <a:sym typeface="Wingdings" panose="05000000000000000000" pitchFamily="2" charset="2"/>
+              </a:rPr>
+              <a:t>/Axel</a:t>
+            </a:r>
+          </a:p>
+          <a:p>
+            <a:endParaRPr lang="fr-CH" dirty="0">
+              <a:sym typeface="Wingdings" panose="05000000000000000000" pitchFamily="2" charset="2"/>
+            </a:endParaRPr>
+          </a:p>
+          <a:p>
+            <a:r>
+              <a:rPr lang="fr-CH" dirty="0">
+                <a:sym typeface="Wingdings" panose="05000000000000000000" pitchFamily="2" charset="2"/>
+              </a:rPr>
+              <a:t>Accéléromètre  Axel</a:t>
+            </a:r>
+          </a:p>
+          <a:p>
+            <a:endParaRPr lang="fr-CH" dirty="0">
+              <a:sym typeface="Wingdings" panose="05000000000000000000" pitchFamily="2" charset="2"/>
+            </a:endParaRPr>
+          </a:p>
+          <a:p>
+            <a:r>
+              <a:rPr lang="fr-CH" dirty="0">
+                <a:sym typeface="Wingdings" panose="05000000000000000000" pitchFamily="2" charset="2"/>
+              </a:rPr>
+              <a:t>Autre  </a:t>
+            </a:r>
+            <a:r>
+              <a:rPr lang="fr-CH" dirty="0" err="1">
+                <a:sym typeface="Wingdings" panose="05000000000000000000" pitchFamily="2" charset="2"/>
+              </a:rPr>
+              <a:t>Gab</a:t>
+            </a:r>
+            <a:r>
+              <a:rPr lang="fr-CH" dirty="0">
+                <a:sym typeface="Wingdings" panose="05000000000000000000" pitchFamily="2" charset="2"/>
+              </a:rPr>
+              <a:t>/Axel</a:t>
+            </a:r>
           </a:p>
         </p:txBody>
       </p:sp>
@@ -544,7 +625,7 @@
           <a:p>
             <a:fld id="{EC37260B-1DC5-48E4-BB85-1DFFBBA627B3}" type="slidenum">
               <a:rPr lang="fr-CH" smtClean="0"/>
-              <a:t>8</a:t>
+              <a:t>7</a:t>
             </a:fld>
             <a:endParaRPr lang="fr-CH"/>
           </a:p>
@@ -553,7 +634,7 @@
     </p:spTree>
     <p:extLst>
       <p:ext uri="{BB962C8B-B14F-4D97-AF65-F5344CB8AC3E}">
-        <p14:creationId xmlns:p14="http://schemas.microsoft.com/office/powerpoint/2010/main" val="2756209605"/>
+        <p14:creationId xmlns:p14="http://schemas.microsoft.com/office/powerpoint/2010/main" val="3680540902"/>
       </p:ext>
     </p:extLst>
   </p:cSld>
@@ -594,7 +675,7 @@
       </p:sp>
       <p:sp>
         <p:nvSpPr>
-          <p:cNvPr id="3" name="Espace réservé des commentaires 2"/>
+          <p:cNvPr id="3" name="Espace réservé des notes 2"/>
           <p:cNvSpPr>
             <a:spLocks noGrp="1"/>
           </p:cNvSpPr>
@@ -607,7 +688,456 @@
           <a:bodyPr/>
           <a:lstStyle/>
           <a:p>
+            <a:pPr marL="171450" indent="-171450">
+              <a:buFont typeface="Arial" panose="020B0604020202020204" pitchFamily="34" charset="0"/>
+              <a:buChar char="•"/>
+            </a:pPr>
+            <a:r>
+              <a:rPr lang="fr-CH" dirty="0"/>
+              <a:t>Interfaces</a:t>
+            </a:r>
+          </a:p>
+          <a:p>
+            <a:pPr marL="628650" lvl="1" indent="-171450">
+              <a:buFont typeface="Arial" panose="020B0604020202020204" pitchFamily="34" charset="0"/>
+              <a:buChar char="•"/>
+            </a:pPr>
+            <a:r>
+              <a:rPr lang="fr-CH" dirty="0"/>
+              <a:t>Simples</a:t>
+            </a:r>
+          </a:p>
+          <a:p>
+            <a:pPr marL="628650" lvl="1" indent="-171450">
+              <a:buFont typeface="Arial" panose="020B0604020202020204" pitchFamily="34" charset="0"/>
+              <a:buChar char="•"/>
+            </a:pPr>
+            <a:r>
+              <a:rPr lang="fr-CH" dirty="0"/>
+              <a:t>Ergonomiques</a:t>
+            </a:r>
+          </a:p>
+          <a:p>
+            <a:pPr marL="628650" lvl="1" indent="-171450">
+              <a:buFont typeface="Arial" panose="020B0604020202020204" pitchFamily="34" charset="0"/>
+              <a:buChar char="•"/>
+            </a:pPr>
+            <a:r>
+              <a:rPr lang="fr-CH" dirty="0"/>
+              <a:t>Sobres</a:t>
+            </a:r>
+          </a:p>
+          <a:p>
+            <a:pPr marL="628650" lvl="1" indent="-171450">
+              <a:buFont typeface="Arial" panose="020B0604020202020204" pitchFamily="34" charset="0"/>
+              <a:buChar char="•"/>
+            </a:pPr>
+            <a:r>
+              <a:rPr lang="fr-CH" dirty="0"/>
+              <a:t>Adaptée à différentes tailles</a:t>
+            </a:r>
+          </a:p>
+          <a:p>
+            <a:pPr marL="171450" lvl="0" indent="-171450">
+              <a:buFont typeface="Arial" panose="020B0604020202020204" pitchFamily="34" charset="0"/>
+              <a:buChar char="•"/>
+            </a:pPr>
+            <a:r>
+              <a:rPr lang="fr-CH" dirty="0"/>
+              <a:t>Classes</a:t>
+            </a:r>
+          </a:p>
+          <a:p>
+            <a:pPr marL="628650" lvl="1" indent="-171450">
+              <a:buFont typeface="Arial" panose="020B0604020202020204" pitchFamily="34" charset="0"/>
+              <a:buChar char="•"/>
+            </a:pPr>
+            <a:r>
+              <a:rPr lang="fr-CH" dirty="0"/>
+              <a:t>Jeu</a:t>
+            </a:r>
+          </a:p>
+          <a:p>
+            <a:pPr marL="1085850" lvl="2" indent="-171450">
+              <a:buFont typeface="Arial" panose="020B0604020202020204" pitchFamily="34" charset="0"/>
+              <a:buChar char="•"/>
+            </a:pPr>
+            <a:r>
+              <a:rPr lang="fr-CH" dirty="0" err="1"/>
+              <a:t>MenuActivity</a:t>
+            </a:r>
+            <a:r>
+              <a:rPr lang="fr-CH" dirty="0"/>
+              <a:t> </a:t>
+            </a:r>
+            <a:r>
+              <a:rPr lang="fr-CH" dirty="0">
+                <a:sym typeface="Wingdings" panose="05000000000000000000" pitchFamily="2" charset="2"/>
+              </a:rPr>
+              <a:t> </a:t>
+            </a:r>
+          </a:p>
+          <a:p>
+            <a:pPr marL="1085850" lvl="2" indent="-171450">
+              <a:buFont typeface="Arial" panose="020B0604020202020204" pitchFamily="34" charset="0"/>
+              <a:buChar char="•"/>
+            </a:pPr>
+            <a:r>
+              <a:rPr lang="fr-CH" dirty="0" err="1">
+                <a:sym typeface="Wingdings" panose="05000000000000000000" pitchFamily="2" charset="2"/>
+              </a:rPr>
+              <a:t>LoadActivity</a:t>
+            </a:r>
+            <a:r>
+              <a:rPr lang="fr-CH" dirty="0">
+                <a:sym typeface="Wingdings" panose="05000000000000000000" pitchFamily="2" charset="2"/>
+              </a:rPr>
+              <a:t>/</a:t>
+            </a:r>
+            <a:r>
+              <a:rPr lang="fr-CH" dirty="0" err="1">
+                <a:sym typeface="Wingdings" panose="05000000000000000000" pitchFamily="2" charset="2"/>
+              </a:rPr>
+              <a:t>IntroductionActivity</a:t>
+            </a:r>
+            <a:r>
+              <a:rPr lang="fr-CH" dirty="0">
+                <a:sym typeface="Wingdings" panose="05000000000000000000" pitchFamily="2" charset="2"/>
+              </a:rPr>
+              <a:t>  </a:t>
+            </a:r>
+          </a:p>
+          <a:p>
+            <a:pPr marL="1085850" lvl="2" indent="-171450">
+              <a:buFont typeface="Arial" panose="020B0604020202020204" pitchFamily="34" charset="0"/>
+              <a:buChar char="•"/>
+            </a:pPr>
+            <a:r>
+              <a:rPr lang="fr-CH" dirty="0" err="1">
+                <a:sym typeface="Wingdings" panose="05000000000000000000" pitchFamily="2" charset="2"/>
+              </a:rPr>
+              <a:t>GameActivity</a:t>
+            </a:r>
+            <a:r>
+              <a:rPr lang="fr-CH" dirty="0">
+                <a:sym typeface="Wingdings" panose="05000000000000000000" pitchFamily="2" charset="2"/>
+              </a:rPr>
+              <a:t> </a:t>
+            </a:r>
+          </a:p>
+          <a:p>
+            <a:pPr marL="628650" lvl="1" indent="-171450">
+              <a:buFont typeface="Arial" panose="020B0604020202020204" pitchFamily="34" charset="0"/>
+              <a:buChar char="•"/>
+            </a:pPr>
+            <a:r>
+              <a:rPr lang="fr-CH" dirty="0">
+                <a:sym typeface="Wingdings" panose="05000000000000000000" pitchFamily="2" charset="2"/>
+              </a:rPr>
+              <a:t>Histoire</a:t>
+            </a:r>
+          </a:p>
+          <a:p>
+            <a:pPr marL="1085850" lvl="2" indent="-171450">
+              <a:buFont typeface="Arial" panose="020B0604020202020204" pitchFamily="34" charset="0"/>
+              <a:buChar char="•"/>
+            </a:pPr>
+            <a:r>
+              <a:rPr lang="fr-CH" dirty="0" err="1">
+                <a:sym typeface="Wingdings" panose="05000000000000000000" pitchFamily="2" charset="2"/>
+              </a:rPr>
+              <a:t>HistoryNode</a:t>
+            </a:r>
+            <a:endParaRPr lang="fr-CH" dirty="0">
+              <a:sym typeface="Wingdings" panose="05000000000000000000" pitchFamily="2" charset="2"/>
+            </a:endParaRPr>
+          </a:p>
+          <a:p>
+            <a:pPr marL="628650" lvl="1" indent="-171450">
+              <a:buFont typeface="Arial" panose="020B0604020202020204" pitchFamily="34" charset="0"/>
+              <a:buChar char="•"/>
+            </a:pPr>
+            <a:r>
+              <a:rPr lang="fr-CH" dirty="0">
+                <a:sym typeface="Wingdings" panose="05000000000000000000" pitchFamily="2" charset="2"/>
+              </a:rPr>
+              <a:t>Données/Fichier</a:t>
+            </a:r>
+          </a:p>
+          <a:p>
+            <a:pPr marL="1085850" lvl="2" indent="-171450">
+              <a:buFont typeface="Arial" panose="020B0604020202020204" pitchFamily="34" charset="0"/>
+              <a:buChar char="•"/>
+            </a:pPr>
+            <a:r>
+              <a:rPr lang="fr-CH" dirty="0" err="1">
+                <a:sym typeface="Wingdings" panose="05000000000000000000" pitchFamily="2" charset="2"/>
+              </a:rPr>
+              <a:t>FileHandler</a:t>
+            </a:r>
+            <a:endParaRPr lang="fr-CH" dirty="0">
+              <a:sym typeface="Wingdings" panose="05000000000000000000" pitchFamily="2" charset="2"/>
+            </a:endParaRPr>
+          </a:p>
+          <a:p>
+            <a:pPr marL="628650" lvl="1" indent="-171450">
+              <a:buFont typeface="Arial" panose="020B0604020202020204" pitchFamily="34" charset="0"/>
+              <a:buChar char="•"/>
+            </a:pPr>
+            <a:r>
+              <a:rPr lang="fr-CH" dirty="0">
+                <a:sym typeface="Wingdings" panose="05000000000000000000" pitchFamily="2" charset="2"/>
+              </a:rPr>
+              <a:t>Autres</a:t>
+            </a:r>
+          </a:p>
+          <a:p>
+            <a:pPr marL="1085850" lvl="2" indent="-171450">
+              <a:buFont typeface="Arial" panose="020B0604020202020204" pitchFamily="34" charset="0"/>
+              <a:buChar char="•"/>
+            </a:pPr>
+            <a:r>
+              <a:rPr lang="fr-CH" dirty="0" err="1">
+                <a:sym typeface="Wingdings" panose="05000000000000000000" pitchFamily="2" charset="2"/>
+              </a:rPr>
+              <a:t>Accelerometer</a:t>
+            </a:r>
+            <a:endParaRPr lang="fr-CH" dirty="0">
+              <a:sym typeface="Wingdings" panose="05000000000000000000" pitchFamily="2" charset="2"/>
+            </a:endParaRPr>
+          </a:p>
+          <a:p>
+            <a:pPr marL="1085850" lvl="2" indent="-171450">
+              <a:buFont typeface="Arial" panose="020B0604020202020204" pitchFamily="34" charset="0"/>
+              <a:buChar char="•"/>
+            </a:pPr>
+            <a:r>
+              <a:rPr lang="fr-CH" dirty="0">
+                <a:sym typeface="Wingdings" panose="05000000000000000000" pitchFamily="2" charset="2"/>
+              </a:rPr>
+              <a:t>Player</a:t>
+            </a:r>
+          </a:p>
+          <a:p>
+            <a:pPr marL="171450" lvl="0" indent="-171450">
+              <a:buFont typeface="Arial" panose="020B0604020202020204" pitchFamily="34" charset="0"/>
+              <a:buChar char="•"/>
+            </a:pPr>
+            <a:r>
+              <a:rPr lang="fr-CH" dirty="0">
+                <a:sym typeface="Wingdings" panose="05000000000000000000" pitchFamily="2" charset="2"/>
+              </a:rPr>
+              <a:t>Stockage Données</a:t>
+            </a:r>
+          </a:p>
+          <a:p>
+            <a:pPr marL="628650" lvl="1" indent="-171450">
+              <a:buFont typeface="Arial" panose="020B0604020202020204" pitchFamily="34" charset="0"/>
+              <a:buChar char="•"/>
+            </a:pPr>
+            <a:r>
+              <a:rPr lang="fr-CH" dirty="0">
+                <a:sym typeface="Wingdings" panose="05000000000000000000" pitchFamily="2" charset="2"/>
+              </a:rPr>
+              <a:t>Fichier texte</a:t>
+            </a:r>
+          </a:p>
+          <a:p>
+            <a:pPr marL="628650" lvl="1" indent="-171450">
+              <a:buFont typeface="Arial" panose="020B0604020202020204" pitchFamily="34" charset="0"/>
+              <a:buChar char="•"/>
+            </a:pPr>
+            <a:r>
+              <a:rPr lang="fr-CH" dirty="0">
+                <a:sym typeface="Wingdings" panose="05000000000000000000" pitchFamily="2" charset="2"/>
+              </a:rPr>
+              <a:t>Vie</a:t>
+            </a:r>
+          </a:p>
+          <a:p>
+            <a:pPr marL="628650" lvl="1" indent="-171450">
+              <a:buFont typeface="Arial" panose="020B0604020202020204" pitchFamily="34" charset="0"/>
+              <a:buChar char="•"/>
+            </a:pPr>
+            <a:r>
+              <a:rPr lang="fr-CH" dirty="0">
+                <a:sym typeface="Wingdings" panose="05000000000000000000" pitchFamily="2" charset="2"/>
+              </a:rPr>
+              <a:t>Endurance</a:t>
+            </a:r>
+          </a:p>
+          <a:p>
+            <a:pPr marL="628650" lvl="1" indent="-171450">
+              <a:buFont typeface="Arial" panose="020B0604020202020204" pitchFamily="34" charset="0"/>
+              <a:buChar char="•"/>
+            </a:pPr>
+            <a:r>
+              <a:rPr lang="fr-CH" dirty="0">
+                <a:sym typeface="Wingdings" panose="05000000000000000000" pitchFamily="2" charset="2"/>
+              </a:rPr>
+              <a:t>…</a:t>
+            </a:r>
+          </a:p>
+          <a:p>
+            <a:pPr marL="171450" lvl="0" indent="-171450">
+              <a:buFont typeface="Arial" panose="020B0604020202020204" pitchFamily="34" charset="0"/>
+              <a:buChar char="•"/>
+            </a:pPr>
+            <a:r>
+              <a:rPr lang="fr-CH" dirty="0">
+                <a:sym typeface="Wingdings" panose="05000000000000000000" pitchFamily="2" charset="2"/>
+              </a:rPr>
+              <a:t>Accéléromètre </a:t>
+            </a:r>
+          </a:p>
+          <a:p>
+            <a:pPr marL="628650" lvl="1" indent="-171450">
+              <a:buFont typeface="Arial" panose="020B0604020202020204" pitchFamily="34" charset="0"/>
+              <a:buChar char="•"/>
+            </a:pPr>
+            <a:r>
+              <a:rPr lang="fr-CH" b="1" dirty="0"/>
+              <a:t>AXEL !!</a:t>
+            </a:r>
+          </a:p>
+          <a:p>
+            <a:pPr marL="171450" indent="-171450">
+              <a:buFont typeface="Arial" panose="020B0604020202020204" pitchFamily="34" charset="0"/>
+              <a:buChar char="•"/>
+            </a:pPr>
+            <a:endParaRPr lang="fr-CH" dirty="0"/>
+          </a:p>
+        </p:txBody>
+      </p:sp>
+      <p:sp>
+        <p:nvSpPr>
+          <p:cNvPr id="4" name="Espace réservé du numéro de diapositive 3"/>
+          <p:cNvSpPr>
+            <a:spLocks noGrp="1"/>
+          </p:cNvSpPr>
+          <p:nvPr>
+            <p:ph type="sldNum" sz="quarter" idx="10"/>
+          </p:nvPr>
+        </p:nvSpPr>
+        <p:spPr/>
+        <p:txBody>
+          <a:bodyPr/>
+          <a:lstStyle/>
+          <a:p>
+            <a:fld id="{EC37260B-1DC5-48E4-BB85-1DFFBBA627B3}" type="slidenum">
+              <a:rPr lang="fr-CH" smtClean="0"/>
+              <a:t>8</a:t>
+            </a:fld>
             <a:endParaRPr lang="fr-CH"/>
+          </a:p>
+        </p:txBody>
+      </p:sp>
+    </p:spTree>
+    <p:extLst>
+      <p:ext uri="{BB962C8B-B14F-4D97-AF65-F5344CB8AC3E}">
+        <p14:creationId xmlns:p14="http://schemas.microsoft.com/office/powerpoint/2010/main" val="2756209605"/>
+      </p:ext>
+    </p:extLst>
+  </p:cSld>
+  <p:clrMapOvr>
+    <a:masterClrMapping/>
+  </p:clrMapOvr>
+</p:notes>
+</file>
+
+<file path=ppt/notesSlides/notesSlide3.xml><?xml version="1.0" encoding="utf-8"?>
+<p:notes xmlns:a="http://schemas.openxmlformats.org/drawingml/2006/main" xmlns:r="http://schemas.openxmlformats.org/officeDocument/2006/relationships" xmlns:p="http://schemas.openxmlformats.org/presentationml/2006/main">
+  <p:cSld>
+    <p:spTree>
+      <p:nvGrpSpPr>
+        <p:cNvPr id="1" name=""/>
+        <p:cNvGrpSpPr/>
+        <p:nvPr/>
+      </p:nvGrpSpPr>
+      <p:grpSpPr>
+        <a:xfrm>
+          <a:off x="0" y="0"/>
+          <a:ext cx="0" cy="0"/>
+          <a:chOff x="0" y="0"/>
+          <a:chExt cx="0" cy="0"/>
+        </a:xfrm>
+      </p:grpSpPr>
+      <p:sp>
+        <p:nvSpPr>
+          <p:cNvPr id="2" name="Espace réservé de l'image des diapositives 1"/>
+          <p:cNvSpPr>
+            <a:spLocks noGrp="1" noRot="1" noChangeAspect="1"/>
+          </p:cNvSpPr>
+          <p:nvPr>
+            <p:ph type="sldImg"/>
+          </p:nvPr>
+        </p:nvSpPr>
+        <p:spPr/>
+      </p:sp>
+      <p:sp>
+        <p:nvSpPr>
+          <p:cNvPr id="3" name="Espace réservé des commentaires 2"/>
+          <p:cNvSpPr>
+            <a:spLocks noGrp="1"/>
+          </p:cNvSpPr>
+          <p:nvPr>
+            <p:ph type="body" idx="1"/>
+          </p:nvPr>
+        </p:nvSpPr>
+        <p:spPr/>
+        <p:txBody>
+          <a:bodyPr/>
+          <a:lstStyle/>
+          <a:p>
+            <a:r>
+              <a:rPr lang="fr-CH" dirty="0"/>
+              <a:t>Améliorations </a:t>
+            </a:r>
+            <a:r>
+              <a:rPr lang="fr-CH" dirty="0">
+                <a:sym typeface="Wingdings" panose="05000000000000000000" pitchFamily="2" charset="2"/>
+              </a:rPr>
+              <a:t> Ajout d’animations</a:t>
+            </a:r>
+          </a:p>
+          <a:p>
+            <a:r>
+              <a:rPr lang="fr-CH" dirty="0">
+                <a:sym typeface="Wingdings" panose="05000000000000000000" pitchFamily="2" charset="2"/>
+              </a:rPr>
+              <a:t>	Accéléromètre à améliorer</a:t>
+            </a:r>
+            <a:r>
+              <a:rPr lang="fr-CH" b="1" dirty="0">
+                <a:sym typeface="Wingdings" panose="05000000000000000000" pitchFamily="2" charset="2"/>
+              </a:rPr>
+              <a:t>… (AXEL)</a:t>
+            </a:r>
+          </a:p>
+          <a:p>
+            <a:r>
+              <a:rPr lang="fr-CH" dirty="0">
+                <a:sym typeface="Wingdings" panose="05000000000000000000" pitchFamily="2" charset="2"/>
+              </a:rPr>
+              <a:t>	Un autre chapitre</a:t>
+            </a:r>
+          </a:p>
+          <a:p>
+            <a:r>
+              <a:rPr lang="fr-CH" dirty="0">
+                <a:sym typeface="Wingdings" panose="05000000000000000000" pitchFamily="2" charset="2"/>
+              </a:rPr>
+              <a:t>	Marcher augmente l’endurance </a:t>
+            </a:r>
+          </a:p>
+          <a:p>
+            <a:r>
+              <a:rPr lang="fr-CH" dirty="0">
+                <a:sym typeface="Wingdings" panose="05000000000000000000" pitchFamily="2" charset="2"/>
+              </a:rPr>
+              <a:t>	</a:t>
+            </a:r>
+            <a:endParaRPr lang="fr-CH" dirty="0"/>
           </a:p>
         </p:txBody>
       </p:sp>
@@ -6818,7 +7348,7 @@
           <p:cNvPr id="2" name="Titre 1">
             <a:extLst>
               <a:ext uri="{FF2B5EF4-FFF2-40B4-BE49-F238E27FC236}">
-                <a16:creationId xmlns:a16="http://schemas.microsoft.com/office/drawing/2014/main" xmlns="" id="{0CFB33AD-2436-4082-A673-DA992A59D7CF}"/>
+                <a16:creationId xmlns:a16="http://schemas.microsoft.com/office/drawing/2014/main" id="{0CFB33AD-2436-4082-A673-DA992A59D7CF}"/>
               </a:ext>
             </a:extLst>
           </p:cNvPr>
@@ -6856,7 +7386,7 @@
           <p:cNvPr id="3" name="Sous-titre 2">
             <a:extLst>
               <a:ext uri="{FF2B5EF4-FFF2-40B4-BE49-F238E27FC236}">
-                <a16:creationId xmlns:a16="http://schemas.microsoft.com/office/drawing/2014/main" xmlns="" id="{9E2C14B6-E253-464E-B1EA-4FD993CE647E}"/>
+                <a16:creationId xmlns:a16="http://schemas.microsoft.com/office/drawing/2014/main" id="{9E2C14B6-E253-464E-B1EA-4FD993CE647E}"/>
               </a:ext>
             </a:extLst>
           </p:cNvPr>
@@ -6904,13 +7434,6 @@
   <p:clrMapOvr>
     <a:masterClrMapping/>
   </p:clrMapOvr>
-  <p:timing>
-    <p:tnLst>
-      <p:par>
-        <p:cTn id="1" dur="indefinite" restart="never" nodeType="tmRoot"/>
-      </p:par>
-    </p:tnLst>
-  </p:timing>
 </p:sld>
 </file>
 
@@ -6936,7 +7459,7 @@
           <p:cNvPr id="2" name="Titre 1">
             <a:extLst>
               <a:ext uri="{FF2B5EF4-FFF2-40B4-BE49-F238E27FC236}">
-                <a16:creationId xmlns:a16="http://schemas.microsoft.com/office/drawing/2014/main" xmlns="" id="{E3F33306-D4C8-47FD-B767-4C26F1291E90}"/>
+                <a16:creationId xmlns:a16="http://schemas.microsoft.com/office/drawing/2014/main" id="{E3F33306-D4C8-47FD-B767-4C26F1291E90}"/>
               </a:ext>
             </a:extLst>
           </p:cNvPr>
@@ -6970,7 +7493,7 @@
           <p:cNvPr id="3" name="Espace réservé du contenu 2">
             <a:extLst>
               <a:ext uri="{FF2B5EF4-FFF2-40B4-BE49-F238E27FC236}">
-                <a16:creationId xmlns:a16="http://schemas.microsoft.com/office/drawing/2014/main" xmlns="" id="{E2D72BF4-97A8-4FF9-9406-29B2A8E42FC2}"/>
+                <a16:creationId xmlns:a16="http://schemas.microsoft.com/office/drawing/2014/main" id="{E2D72BF4-97A8-4FF9-9406-29B2A8E42FC2}"/>
               </a:ext>
             </a:extLst>
           </p:cNvPr>
@@ -6997,64 +7520,45 @@
               <a:buNone/>
             </a:pPr>
             <a:r>
-              <a:rPr lang="fr-CH" dirty="0" smtClean="0"/>
+              <a:rPr lang="fr-CH" dirty="0"/>
               <a:t>Point positif</a:t>
             </a:r>
-            <a:endParaRPr lang="fr-CH" dirty="0" smtClean="0"/>
-          </a:p>
-          <a:p>
-            <a:r>
-              <a:rPr lang="fr-CH" dirty="0" smtClean="0"/>
-              <a:t>Le </a:t>
-            </a:r>
+          </a:p>
+          <a:p>
             <a:r>
               <a:rPr lang="fr-CH" dirty="0"/>
-              <a:t>projet est terminé et le cahier des charges est presque remplie</a:t>
+              <a:t>Le projet est terminé et le cahier des charges est presque remplie</a:t>
             </a:r>
           </a:p>
           <a:p>
             <a:r>
               <a:rPr lang="fr-CH" dirty="0"/>
-              <a:t>Le code est développé pour simplifier l’ajout de chapitre et pour </a:t>
-            </a:r>
-            <a:r>
-              <a:rPr lang="fr-CH" dirty="0" smtClean="0"/>
-              <a:t>l’implémentation </a:t>
-            </a:r>
+              <a:t>Le code est développé pour simplifier l’ajout de chapitre et pour l’implémentation de nouvelles fonctionnalités</a:t>
+            </a:r>
+          </a:p>
+          <a:p>
+            <a:endParaRPr lang="fr-CH" dirty="0"/>
+          </a:p>
+          <a:p>
+            <a:pPr marL="0" indent="0">
+              <a:buNone/>
+            </a:pPr>
             <a:r>
               <a:rPr lang="fr-CH" dirty="0"/>
-              <a:t>de nouvelles </a:t>
-            </a:r>
-            <a:r>
-              <a:rPr lang="fr-CH" dirty="0" smtClean="0"/>
-              <a:t>fonctionnalités</a:t>
-            </a:r>
-          </a:p>
-          <a:p>
-            <a:endParaRPr lang="fr-CH" dirty="0"/>
-          </a:p>
-          <a:p>
-            <a:pPr marL="0" indent="0">
-              <a:buNone/>
-            </a:pPr>
-            <a:r>
-              <a:rPr lang="fr-CH" dirty="0" smtClean="0"/>
               <a:t>Point négatif</a:t>
             </a:r>
-            <a:endParaRPr lang="fr-CH" dirty="0"/>
-          </a:p>
-          <a:p>
-            <a:r>
-              <a:rPr lang="fr-CH" dirty="0" smtClean="0"/>
+          </a:p>
+          <a:p>
+            <a:r>
+              <a:rPr lang="fr-CH" dirty="0"/>
               <a:t>Les animations des combats et des bonus ont été remplacés par des images</a:t>
             </a:r>
           </a:p>
           <a:p>
             <a:r>
-              <a:rPr lang="fr-CH" dirty="0" smtClean="0"/>
-              <a:t>L’utilisation de l’accéléromètre pour calculer une distance n’est pas très pratique</a:t>
-            </a:r>
-            <a:endParaRPr lang="fr-CH" dirty="0"/>
+              <a:rPr lang="fr-CH" dirty="0"/>
+              <a:t>L’utilisation de l’accéléromètre pour calculer une distance n’est pas très optimal</a:t>
+            </a:r>
           </a:p>
           <a:p>
             <a:endParaRPr lang="fr-CH" dirty="0"/>
@@ -7074,13 +7578,6 @@
   <p:clrMapOvr>
     <a:masterClrMapping/>
   </p:clrMapOvr>
-  <p:timing>
-    <p:tnLst>
-      <p:par>
-        <p:cTn id="1" dur="indefinite" restart="never" nodeType="tmRoot"/>
-      </p:par>
-    </p:tnLst>
-  </p:timing>
 </p:sld>
 </file>
 
@@ -7106,7 +7603,7 @@
           <p:cNvPr id="2" name="Titre 1">
             <a:extLst>
               <a:ext uri="{FF2B5EF4-FFF2-40B4-BE49-F238E27FC236}">
-                <a16:creationId xmlns:a16="http://schemas.microsoft.com/office/drawing/2014/main" xmlns="" id="{E3F33306-D4C8-47FD-B767-4C26F1291E90}"/>
+                <a16:creationId xmlns:a16="http://schemas.microsoft.com/office/drawing/2014/main" id="{E3F33306-D4C8-47FD-B767-4C26F1291E90}"/>
               </a:ext>
             </a:extLst>
           </p:cNvPr>
@@ -7171,7 +7668,7 @@
           <p:cNvPr id="2" name="Titre 1">
             <a:extLst>
               <a:ext uri="{FF2B5EF4-FFF2-40B4-BE49-F238E27FC236}">
-                <a16:creationId xmlns:a16="http://schemas.microsoft.com/office/drawing/2014/main" xmlns="" id="{E3F33306-D4C8-47FD-B767-4C26F1291E90}"/>
+                <a16:creationId xmlns:a16="http://schemas.microsoft.com/office/drawing/2014/main" id="{E3F33306-D4C8-47FD-B767-4C26F1291E90}"/>
               </a:ext>
             </a:extLst>
           </p:cNvPr>
@@ -7205,7 +7702,7 @@
           <p:cNvPr id="4" name="Espace réservé du contenu 2">
             <a:extLst>
               <a:ext uri="{FF2B5EF4-FFF2-40B4-BE49-F238E27FC236}">
-                <a16:creationId xmlns:a16="http://schemas.microsoft.com/office/drawing/2014/main" xmlns="" id="{049C4395-38C4-4B0C-8910-A8F7BF702D03}"/>
+                <a16:creationId xmlns:a16="http://schemas.microsoft.com/office/drawing/2014/main" id="{049C4395-38C4-4B0C-8910-A8F7BF702D03}"/>
               </a:ext>
             </a:extLst>
           </p:cNvPr>
@@ -7500,7 +7997,7 @@
           <p:cNvPr id="7" name="Image 6">
             <a:extLst>
               <a:ext uri="{FF2B5EF4-FFF2-40B4-BE49-F238E27FC236}">
-                <a16:creationId xmlns:a16="http://schemas.microsoft.com/office/drawing/2014/main" xmlns="" id="{660BB3DA-E17E-4553-9B13-8D9843788D48}"/>
+                <a16:creationId xmlns:a16="http://schemas.microsoft.com/office/drawing/2014/main" id="{660BB3DA-E17E-4553-9B13-8D9843788D48}"/>
               </a:ext>
             </a:extLst>
           </p:cNvPr>
@@ -7566,7 +8063,7 @@
           <p:cNvPr id="2" name="Titre 1">
             <a:extLst>
               <a:ext uri="{FF2B5EF4-FFF2-40B4-BE49-F238E27FC236}">
-                <a16:creationId xmlns:a16="http://schemas.microsoft.com/office/drawing/2014/main" xmlns="" id="{E3F33306-D4C8-47FD-B767-4C26F1291E90}"/>
+                <a16:creationId xmlns:a16="http://schemas.microsoft.com/office/drawing/2014/main" id="{E3F33306-D4C8-47FD-B767-4C26F1291E90}"/>
               </a:ext>
             </a:extLst>
           </p:cNvPr>
@@ -7600,7 +8097,7 @@
           <p:cNvPr id="3" name="Espace réservé du contenu 2">
             <a:extLst>
               <a:ext uri="{FF2B5EF4-FFF2-40B4-BE49-F238E27FC236}">
-                <a16:creationId xmlns:a16="http://schemas.microsoft.com/office/drawing/2014/main" xmlns="" id="{E2D72BF4-97A8-4FF9-9406-29B2A8E42FC2}"/>
+                <a16:creationId xmlns:a16="http://schemas.microsoft.com/office/drawing/2014/main" id="{E2D72BF4-97A8-4FF9-9406-29B2A8E42FC2}"/>
               </a:ext>
             </a:extLst>
           </p:cNvPr>
@@ -7684,7 +8181,7 @@
           <p:cNvPr id="2" name="Titre 1">
             <a:extLst>
               <a:ext uri="{FF2B5EF4-FFF2-40B4-BE49-F238E27FC236}">
-                <a16:creationId xmlns:a16="http://schemas.microsoft.com/office/drawing/2014/main" xmlns="" id="{E3F33306-D4C8-47FD-B767-4C26F1291E90}"/>
+                <a16:creationId xmlns:a16="http://schemas.microsoft.com/office/drawing/2014/main" id="{E3F33306-D4C8-47FD-B767-4C26F1291E90}"/>
               </a:ext>
             </a:extLst>
           </p:cNvPr>
@@ -7718,7 +8215,7 @@
           <p:cNvPr id="3" name="Espace réservé du contenu 2">
             <a:extLst>
               <a:ext uri="{FF2B5EF4-FFF2-40B4-BE49-F238E27FC236}">
-                <a16:creationId xmlns:a16="http://schemas.microsoft.com/office/drawing/2014/main" xmlns="" id="{E2D72BF4-97A8-4FF9-9406-29B2A8E42FC2}"/>
+                <a16:creationId xmlns:a16="http://schemas.microsoft.com/office/drawing/2014/main" id="{E2D72BF4-97A8-4FF9-9406-29B2A8E42FC2}"/>
               </a:ext>
             </a:extLst>
           </p:cNvPr>
@@ -7824,7 +8321,7 @@
           <p:cNvPr id="67" name="Group 35">
             <a:extLst>
               <a:ext uri="{FF2B5EF4-FFF2-40B4-BE49-F238E27FC236}">
-                <a16:creationId xmlns:a16="http://schemas.microsoft.com/office/drawing/2014/main" xmlns="" id="{D6BA167A-D3C3-4EE8-8B5E-13679208725E}"/>
+                <a16:creationId xmlns:a16="http://schemas.microsoft.com/office/drawing/2014/main" id="{D6BA167A-D3C3-4EE8-8B5E-13679208725E}"/>
               </a:ext>
             </a:extLst>
           </p:cNvPr>
@@ -7834,7 +8331,7 @@
           <p:nvPr>
             <p:extLst>
               <p:ext uri="{386F3935-93C4-4BCD-93E2-E3B085C9AB24}">
-                <p16:designElem xmlns:p16="http://schemas.microsoft.com/office/powerpoint/2015/main" xmlns="" val="1"/>
+                <p16:designElem xmlns:p16="http://schemas.microsoft.com/office/powerpoint/2015/main" val="1"/>
               </p:ext>
             </p:extLst>
           </p:nvPr>
@@ -7852,7 +8349,7 @@
             <p:cNvPr id="37" name="Freeform 6">
               <a:extLst>
                 <a:ext uri="{FF2B5EF4-FFF2-40B4-BE49-F238E27FC236}">
-                  <a16:creationId xmlns:a16="http://schemas.microsoft.com/office/drawing/2014/main" xmlns="" id="{810CA83B-630E-45DB-ADCB-F0260428513D}"/>
+                  <a16:creationId xmlns:a16="http://schemas.microsoft.com/office/drawing/2014/main" id="{810CA83B-630E-45DB-ADCB-F0260428513D}"/>
                 </a:ext>
               </a:extLst>
             </p:cNvPr>
@@ -7860,7 +8357,7 @@
             <p:nvPr>
               <p:extLst>
                 <p:ext uri="{386F3935-93C4-4BCD-93E2-E3B085C9AB24}">
-                  <p16:designElem xmlns:p16="http://schemas.microsoft.com/office/powerpoint/2015/main" xmlns="" val="1"/>
+                  <p16:designElem xmlns:p16="http://schemas.microsoft.com/office/powerpoint/2015/main" val="1"/>
                 </p:ext>
               </p:extLst>
             </p:nvPr>
@@ -7910,7 +8407,7 @@
             <p:cNvPr id="38" name="Freeform 7">
               <a:extLst>
                 <a:ext uri="{FF2B5EF4-FFF2-40B4-BE49-F238E27FC236}">
-                  <a16:creationId xmlns:a16="http://schemas.microsoft.com/office/drawing/2014/main" xmlns="" id="{7A57B554-6973-429A-818B-524C03DA479E}"/>
+                  <a16:creationId xmlns:a16="http://schemas.microsoft.com/office/drawing/2014/main" id="{7A57B554-6973-429A-818B-524C03DA479E}"/>
                 </a:ext>
               </a:extLst>
             </p:cNvPr>
@@ -7918,7 +8415,7 @@
             <p:nvPr>
               <p:extLst>
                 <p:ext uri="{386F3935-93C4-4BCD-93E2-E3B085C9AB24}">
-                  <p16:designElem xmlns:p16="http://schemas.microsoft.com/office/powerpoint/2015/main" xmlns="" val="1"/>
+                  <p16:designElem xmlns:p16="http://schemas.microsoft.com/office/powerpoint/2015/main" val="1"/>
                 </p:ext>
               </p:extLst>
             </p:nvPr>
@@ -7974,7 +8471,7 @@
             <p:cNvPr id="39" name="Freeform 9">
               <a:extLst>
                 <a:ext uri="{FF2B5EF4-FFF2-40B4-BE49-F238E27FC236}">
-                  <a16:creationId xmlns:a16="http://schemas.microsoft.com/office/drawing/2014/main" xmlns="" id="{89ED2DB2-F3BB-4B5E-84E6-CC259E394AF3}"/>
+                  <a16:creationId xmlns:a16="http://schemas.microsoft.com/office/drawing/2014/main" id="{89ED2DB2-F3BB-4B5E-84E6-CC259E394AF3}"/>
                 </a:ext>
               </a:extLst>
             </p:cNvPr>
@@ -7982,7 +8479,7 @@
             <p:nvPr>
               <p:extLst>
                 <p:ext uri="{386F3935-93C4-4BCD-93E2-E3B085C9AB24}">
-                  <p16:designElem xmlns:p16="http://schemas.microsoft.com/office/powerpoint/2015/main" xmlns="" val="1"/>
+                  <p16:designElem xmlns:p16="http://schemas.microsoft.com/office/powerpoint/2015/main" val="1"/>
                 </p:ext>
               </p:extLst>
             </p:nvPr>
@@ -8032,7 +8529,7 @@
             <p:cNvPr id="40" name="Freeform 10">
               <a:extLst>
                 <a:ext uri="{FF2B5EF4-FFF2-40B4-BE49-F238E27FC236}">
-                  <a16:creationId xmlns:a16="http://schemas.microsoft.com/office/drawing/2014/main" xmlns="" id="{93816493-5723-43CF-95A9-2CDEC9B11D76}"/>
+                  <a16:creationId xmlns:a16="http://schemas.microsoft.com/office/drawing/2014/main" id="{93816493-5723-43CF-95A9-2CDEC9B11D76}"/>
                 </a:ext>
               </a:extLst>
             </p:cNvPr>
@@ -8040,7 +8537,7 @@
             <p:nvPr>
               <p:extLst>
                 <p:ext uri="{386F3935-93C4-4BCD-93E2-E3B085C9AB24}">
-                  <p16:designElem xmlns:p16="http://schemas.microsoft.com/office/powerpoint/2015/main" xmlns="" val="1"/>
+                  <p16:designElem xmlns:p16="http://schemas.microsoft.com/office/powerpoint/2015/main" val="1"/>
                 </p:ext>
               </p:extLst>
             </p:nvPr>
@@ -8089,7 +8586,7 @@
             <p:cNvPr id="41" name="Freeform 11">
               <a:extLst>
                 <a:ext uri="{FF2B5EF4-FFF2-40B4-BE49-F238E27FC236}">
-                  <a16:creationId xmlns:a16="http://schemas.microsoft.com/office/drawing/2014/main" xmlns="" id="{A9964935-0316-4743-BD2E-35B86AF480C4}"/>
+                  <a16:creationId xmlns:a16="http://schemas.microsoft.com/office/drawing/2014/main" id="{A9964935-0316-4743-BD2E-35B86AF480C4}"/>
                 </a:ext>
               </a:extLst>
             </p:cNvPr>
@@ -8097,7 +8594,7 @@
             <p:nvPr>
               <p:extLst>
                 <p:ext uri="{386F3935-93C4-4BCD-93E2-E3B085C9AB24}">
-                  <p16:designElem xmlns:p16="http://schemas.microsoft.com/office/powerpoint/2015/main" xmlns="" val="1"/>
+                  <p16:designElem xmlns:p16="http://schemas.microsoft.com/office/powerpoint/2015/main" val="1"/>
                 </p:ext>
               </p:extLst>
             </p:nvPr>
@@ -8152,7 +8649,7 @@
             <p:cNvPr id="42" name="Freeform 12">
               <a:extLst>
                 <a:ext uri="{FF2B5EF4-FFF2-40B4-BE49-F238E27FC236}">
-                  <a16:creationId xmlns:a16="http://schemas.microsoft.com/office/drawing/2014/main" xmlns="" id="{2B20A700-1547-48D5-AA6F-C1473539C70F}"/>
+                  <a16:creationId xmlns:a16="http://schemas.microsoft.com/office/drawing/2014/main" id="{2B20A700-1547-48D5-AA6F-C1473539C70F}"/>
                 </a:ext>
               </a:extLst>
             </p:cNvPr>
@@ -8160,7 +8657,7 @@
             <p:nvPr>
               <p:extLst>
                 <p:ext uri="{386F3935-93C4-4BCD-93E2-E3B085C9AB24}">
-                  <p16:designElem xmlns:p16="http://schemas.microsoft.com/office/powerpoint/2015/main" xmlns="" val="1"/>
+                  <p16:designElem xmlns:p16="http://schemas.microsoft.com/office/powerpoint/2015/main" val="1"/>
                 </p:ext>
               </p:extLst>
             </p:nvPr>
@@ -8223,7 +8720,7 @@
           <p:cNvPr id="68" name="Image 3">
             <a:extLst>
               <a:ext uri="{FF2B5EF4-FFF2-40B4-BE49-F238E27FC236}">
-                <a16:creationId xmlns:a16="http://schemas.microsoft.com/office/drawing/2014/main" xmlns="" id="{18141A38-AC60-4E7E-8F00-FFAA456581A5}"/>
+                <a16:creationId xmlns:a16="http://schemas.microsoft.com/office/drawing/2014/main" id="{18141A38-AC60-4E7E-8F00-FFAA456581A5}"/>
               </a:ext>
             </a:extLst>
           </p:cNvPr>
@@ -8279,7 +8776,7 @@
           <p:cNvPr id="2" name="Titre 1">
             <a:extLst>
               <a:ext uri="{FF2B5EF4-FFF2-40B4-BE49-F238E27FC236}">
-                <a16:creationId xmlns:a16="http://schemas.microsoft.com/office/drawing/2014/main" xmlns="" id="{CA7F0D2B-BBB7-4CF6-824A-DFB52F783BF6}"/>
+                <a16:creationId xmlns:a16="http://schemas.microsoft.com/office/drawing/2014/main" id="{CA7F0D2B-BBB7-4CF6-824A-DFB52F783BF6}"/>
               </a:ext>
             </a:extLst>
           </p:cNvPr>
@@ -8357,7 +8854,7 @@
           <p:cNvPr id="2" name="Titre 1">
             <a:extLst>
               <a:ext uri="{FF2B5EF4-FFF2-40B4-BE49-F238E27FC236}">
-                <a16:creationId xmlns:a16="http://schemas.microsoft.com/office/drawing/2014/main" xmlns="" id="{E3F33306-D4C8-47FD-B767-4C26F1291E90}"/>
+                <a16:creationId xmlns:a16="http://schemas.microsoft.com/office/drawing/2014/main" id="{E3F33306-D4C8-47FD-B767-4C26F1291E90}"/>
               </a:ext>
             </a:extLst>
           </p:cNvPr>
@@ -8391,7 +8888,7 @@
           <p:cNvPr id="3" name="Espace réservé du contenu 2">
             <a:extLst>
               <a:ext uri="{FF2B5EF4-FFF2-40B4-BE49-F238E27FC236}">
-                <a16:creationId xmlns:a16="http://schemas.microsoft.com/office/drawing/2014/main" xmlns="" id="{E2D72BF4-97A8-4FF9-9406-29B2A8E42FC2}"/>
+                <a16:creationId xmlns:a16="http://schemas.microsoft.com/office/drawing/2014/main" id="{E2D72BF4-97A8-4FF9-9406-29B2A8E42FC2}"/>
               </a:ext>
             </a:extLst>
           </p:cNvPr>
@@ -8445,7 +8942,7 @@
           <p:cNvPr id="4" name="Image 3">
             <a:extLst>
               <a:ext uri="{FF2B5EF4-FFF2-40B4-BE49-F238E27FC236}">
-                <a16:creationId xmlns:a16="http://schemas.microsoft.com/office/drawing/2014/main" xmlns="" id="{FAF10768-8CD8-4EE8-98C2-8C9C124CCFC6}"/>
+                <a16:creationId xmlns:a16="http://schemas.microsoft.com/office/drawing/2014/main" id="{FAF10768-8CD8-4EE8-98C2-8C9C124CCFC6}"/>
               </a:ext>
             </a:extLst>
           </p:cNvPr>
@@ -8475,7 +8972,7 @@
           <p:cNvPr id="5" name="Image 4">
             <a:extLst>
               <a:ext uri="{FF2B5EF4-FFF2-40B4-BE49-F238E27FC236}">
-                <a16:creationId xmlns:a16="http://schemas.microsoft.com/office/drawing/2014/main" xmlns="" id="{07C8896F-D9DD-4F5E-B4CD-7B458002FB07}"/>
+                <a16:creationId xmlns:a16="http://schemas.microsoft.com/office/drawing/2014/main" id="{07C8896F-D9DD-4F5E-B4CD-7B458002FB07}"/>
               </a:ext>
             </a:extLst>
           </p:cNvPr>
@@ -8505,7 +9002,7 @@
           <p:cNvPr id="6" name="Image 5">
             <a:extLst>
               <a:ext uri="{FF2B5EF4-FFF2-40B4-BE49-F238E27FC236}">
-                <a16:creationId xmlns:a16="http://schemas.microsoft.com/office/drawing/2014/main" xmlns="" id="{E7EF9D6E-222B-4579-BB16-23E565DB9B51}"/>
+                <a16:creationId xmlns:a16="http://schemas.microsoft.com/office/drawing/2014/main" id="{E7EF9D6E-222B-4579-BB16-23E565DB9B51}"/>
               </a:ext>
             </a:extLst>
           </p:cNvPr>
@@ -8535,7 +9032,7 @@
           <p:cNvPr id="7" name="Image 6">
             <a:extLst>
               <a:ext uri="{FF2B5EF4-FFF2-40B4-BE49-F238E27FC236}">
-                <a16:creationId xmlns:a16="http://schemas.microsoft.com/office/drawing/2014/main" xmlns="" id="{1AACB9B4-3BEE-49F9-B84B-98CF69073D91}"/>
+                <a16:creationId xmlns:a16="http://schemas.microsoft.com/office/drawing/2014/main" id="{1AACB9B4-3BEE-49F9-B84B-98CF69073D91}"/>
               </a:ext>
             </a:extLst>
           </p:cNvPr>
@@ -8565,7 +9062,7 @@
           <p:cNvPr id="8" name="Image 7">
             <a:extLst>
               <a:ext uri="{FF2B5EF4-FFF2-40B4-BE49-F238E27FC236}">
-                <a16:creationId xmlns:a16="http://schemas.microsoft.com/office/drawing/2014/main" xmlns="" id="{4BD348E5-9ADC-4CAB-861F-210D20AE68DB}"/>
+                <a16:creationId xmlns:a16="http://schemas.microsoft.com/office/drawing/2014/main" id="{4BD348E5-9ADC-4CAB-861F-210D20AE68DB}"/>
               </a:ext>
             </a:extLst>
           </p:cNvPr>
@@ -8925,7 +9422,7 @@
           <p:cNvPr id="2" name="Titre 1">
             <a:extLst>
               <a:ext uri="{FF2B5EF4-FFF2-40B4-BE49-F238E27FC236}">
-                <a16:creationId xmlns:a16="http://schemas.microsoft.com/office/drawing/2014/main" xmlns="" id="{E3F33306-D4C8-47FD-B767-4C26F1291E90}"/>
+                <a16:creationId xmlns:a16="http://schemas.microsoft.com/office/drawing/2014/main" id="{E3F33306-D4C8-47FD-B767-4C26F1291E90}"/>
               </a:ext>
             </a:extLst>
           </p:cNvPr>
@@ -8959,7 +9456,7 @@
           <p:cNvPr id="4" name="Image 3">
             <a:extLst>
               <a:ext uri="{FF2B5EF4-FFF2-40B4-BE49-F238E27FC236}">
-                <a16:creationId xmlns:a16="http://schemas.microsoft.com/office/drawing/2014/main" xmlns="" id="{2687339F-4F5B-4691-97F3-898FC5A89D2D}"/>
+                <a16:creationId xmlns:a16="http://schemas.microsoft.com/office/drawing/2014/main" id="{2687339F-4F5B-4691-97F3-898FC5A89D2D}"/>
               </a:ext>
             </a:extLst>
           </p:cNvPr>
@@ -8969,7 +9466,7 @@
           <p:nvPr/>
         </p:nvPicPr>
         <p:blipFill>
-          <a:blip r:embed="rId2">
+          <a:blip r:embed="rId3">
             <a:extLst>
               <a:ext uri="{28A0092B-C50C-407E-A947-70E740481C1C}">
                 <a14:useLocalDpi xmlns:a14="http://schemas.microsoft.com/office/drawing/2010/main" val="0"/>
@@ -8995,7 +9492,7 @@
           <p:cNvPr id="5" name="Espace réservé du contenu 2">
             <a:extLst>
               <a:ext uri="{FF2B5EF4-FFF2-40B4-BE49-F238E27FC236}">
-                <a16:creationId xmlns:a16="http://schemas.microsoft.com/office/drawing/2014/main" xmlns="" id="{CEB61D05-2C97-4939-9A58-2F5E68DED6BF}"/>
+                <a16:creationId xmlns:a16="http://schemas.microsoft.com/office/drawing/2014/main" id="{CEB61D05-2C97-4939-9A58-2F5E68DED6BF}"/>
               </a:ext>
             </a:extLst>
           </p:cNvPr>
@@ -9013,8 +9510,16 @@
           </a:xfrm>
         </p:spPr>
         <p:txBody>
-          <a:bodyPr anchor="t" anchorCtr="0"/>
+          <a:bodyPr anchor="t" anchorCtr="0">
+            <a:normAutofit/>
+          </a:bodyPr>
           <a:lstStyle/>
+          <a:p>
+            <a:r>
+              <a:rPr lang="fr-CH" dirty="0"/>
+              <a:t>Accéléromètre</a:t>
+            </a:r>
+          </a:p>
           <a:p>
             <a:r>
               <a:rPr lang="fr-CH" dirty="0"/>
@@ -9025,12 +9530,6 @@
             <a:r>
               <a:rPr lang="fr-CH" dirty="0"/>
               <a:t>Stockage de données</a:t>
-            </a:r>
-          </a:p>
-          <a:p>
-            <a:r>
-              <a:rPr lang="fr-CH" dirty="0"/>
-              <a:t>Accéléromètre</a:t>
             </a:r>
           </a:p>
           <a:p>
@@ -9079,7 +9578,7 @@
           <p:cNvPr id="2" name="Titre 1">
             <a:extLst>
               <a:ext uri="{FF2B5EF4-FFF2-40B4-BE49-F238E27FC236}">
-                <a16:creationId xmlns:a16="http://schemas.microsoft.com/office/drawing/2014/main" xmlns="" id="{E3F33306-D4C8-47FD-B767-4C26F1291E90}"/>
+                <a16:creationId xmlns:a16="http://schemas.microsoft.com/office/drawing/2014/main" id="{E3F33306-D4C8-47FD-B767-4C26F1291E90}"/>
               </a:ext>
             </a:extLst>
           </p:cNvPr>
@@ -9113,7 +9612,7 @@
           <p:cNvPr id="3" name="Espace réservé du contenu 2">
             <a:extLst>
               <a:ext uri="{FF2B5EF4-FFF2-40B4-BE49-F238E27FC236}">
-                <a16:creationId xmlns:a16="http://schemas.microsoft.com/office/drawing/2014/main" xmlns="" id="{E2D72BF4-97A8-4FF9-9406-29B2A8E42FC2}"/>
+                <a16:creationId xmlns:a16="http://schemas.microsoft.com/office/drawing/2014/main" id="{E2D72BF4-97A8-4FF9-9406-29B2A8E42FC2}"/>
               </a:ext>
             </a:extLst>
           </p:cNvPr>
@@ -9181,7 +9680,7 @@
           <p:cNvPr id="7" name="Image 6">
             <a:extLst>
               <a:ext uri="{FF2B5EF4-FFF2-40B4-BE49-F238E27FC236}">
-                <a16:creationId xmlns:a16="http://schemas.microsoft.com/office/drawing/2014/main" xmlns="" id="{2D8FE7BE-EB47-4600-97C2-2F17178C74FE}"/>
+                <a16:creationId xmlns:a16="http://schemas.microsoft.com/office/drawing/2014/main" id="{2D8FE7BE-EB47-4600-97C2-2F17178C74FE}"/>
               </a:ext>
             </a:extLst>
           </p:cNvPr>
@@ -9247,7 +9746,7 @@
           <p:cNvPr id="2" name="Titre 1">
             <a:extLst>
               <a:ext uri="{FF2B5EF4-FFF2-40B4-BE49-F238E27FC236}">
-                <a16:creationId xmlns:a16="http://schemas.microsoft.com/office/drawing/2014/main" xmlns="" id="{E3F33306-D4C8-47FD-B767-4C26F1291E90}"/>
+                <a16:creationId xmlns:a16="http://schemas.microsoft.com/office/drawing/2014/main" id="{E3F33306-D4C8-47FD-B767-4C26F1291E90}"/>
               </a:ext>
             </a:extLst>
           </p:cNvPr>
@@ -9289,13 +9788,6 @@
   <p:clrMapOvr>
     <a:masterClrMapping/>
   </p:clrMapOvr>
-  <p:timing>
-    <p:tnLst>
-      <p:par>
-        <p:cTn id="1" dur="indefinite" restart="never" nodeType="tmRoot"/>
-      </p:par>
-    </p:tnLst>
-  </p:timing>
 </p:sld>
 </file>
 

--- a/Présentation.pptx
+++ b/Présentation.pptx
@@ -996,9 +996,55 @@
               <a:buChar char="•"/>
             </a:pPr>
             <a:r>
-              <a:rPr lang="fr-CH" b="1" dirty="0"/>
-              <a:t>AXEL !!</a:t>
-            </a:r>
+              <a:rPr lang="fr-CH" b="0" dirty="0" smtClean="0"/>
+              <a:t>Liste des</a:t>
+            </a:r>
+            <a:r>
+              <a:rPr lang="fr-CH" b="0" baseline="0" dirty="0" smtClean="0"/>
+              <a:t> accélérations pendant 4 secondes</a:t>
+            </a:r>
+          </a:p>
+          <a:p>
+            <a:pPr marL="628650" lvl="1" indent="-171450">
+              <a:buFont typeface="Arial" panose="020B0604020202020204" pitchFamily="34" charset="0"/>
+              <a:buChar char="•"/>
+            </a:pPr>
+            <a:r>
+              <a:rPr lang="fr-CH" b="0" baseline="0" dirty="0" smtClean="0"/>
+              <a:t>Calcul l’accélération moyenne</a:t>
+            </a:r>
+          </a:p>
+          <a:p>
+            <a:pPr marL="628650" lvl="1" indent="-171450">
+              <a:buFont typeface="Arial" panose="020B0604020202020204" pitchFamily="34" charset="0"/>
+              <a:buChar char="•"/>
+            </a:pPr>
+            <a:r>
+              <a:rPr lang="fr-CH" b="0" baseline="0" dirty="0" smtClean="0"/>
+              <a:t>Calcul une distance avec cette accélération</a:t>
+            </a:r>
+          </a:p>
+          <a:p>
+            <a:pPr marL="628650" lvl="1" indent="-171450">
+              <a:buFont typeface="Arial" panose="020B0604020202020204" pitchFamily="34" charset="0"/>
+              <a:buChar char="•"/>
+            </a:pPr>
+            <a:r>
+              <a:rPr lang="fr-CH" b="0" baseline="0" dirty="0" smtClean="0"/>
+              <a:t>Si cette distance est plus grande que 15 mètre la fuite </a:t>
+            </a:r>
+            <a:r>
+              <a:rPr lang="fr-CH" b="0" baseline="0" smtClean="0"/>
+              <a:t>est validé</a:t>
+            </a:r>
+            <a:endParaRPr lang="fr-CH" b="0" baseline="0" dirty="0" smtClean="0"/>
+          </a:p>
+          <a:p>
+            <a:pPr marL="628650" lvl="1" indent="-171450">
+              <a:buFont typeface="Arial" panose="020B0604020202020204" pitchFamily="34" charset="0"/>
+              <a:buChar char="•"/>
+            </a:pPr>
+            <a:endParaRPr lang="fr-CH" b="0" dirty="0"/>
           </a:p>
           <a:p>
             <a:pPr marL="171450" indent="-171450">
@@ -1105,14 +1151,35 @@
               <a:rPr lang="fr-CH" dirty="0">
                 <a:sym typeface="Wingdings" panose="05000000000000000000" pitchFamily="2" charset="2"/>
               </a:rPr>
-              <a:t>	Accéléromètre à améliorer</a:t>
-            </a:r>
-            <a:r>
-              <a:rPr lang="fr-CH" b="1" dirty="0">
+              <a:t>	</a:t>
+            </a:r>
+            <a:r>
+              <a:rPr lang="fr-CH" dirty="0" smtClean="0">
                 <a:sym typeface="Wingdings" panose="05000000000000000000" pitchFamily="2" charset="2"/>
               </a:rPr>
-              <a:t>… (AXEL)</a:t>
-            </a:r>
+              <a:t>L’accéléromètre marche mais malheureusement</a:t>
+            </a:r>
+            <a:r>
+              <a:rPr lang="fr-CH" baseline="0" dirty="0" smtClean="0">
+                <a:sym typeface="Wingdings" panose="05000000000000000000" pitchFamily="2" charset="2"/>
+              </a:rPr>
+              <a:t> il n’est pas fait pour calculer des distances d’une course, puisqu’il suffit de l’agiter dans tous les sens pour créer de grandes 	accélérations, pour ce genre de mesure il faut plutôt utiliser le </a:t>
+            </a:r>
+            <a:r>
+              <a:rPr lang="fr-CH" baseline="0" dirty="0" err="1" smtClean="0">
+                <a:sym typeface="Wingdings" panose="05000000000000000000" pitchFamily="2" charset="2"/>
+              </a:rPr>
+              <a:t>gps</a:t>
+            </a:r>
+            <a:r>
+              <a:rPr lang="fr-CH" baseline="0" dirty="0" smtClean="0">
+                <a:sym typeface="Wingdings" panose="05000000000000000000" pitchFamily="2" charset="2"/>
+              </a:rPr>
+              <a:t>.</a:t>
+            </a:r>
+            <a:endParaRPr lang="fr-CH" b="1" dirty="0">
+              <a:sym typeface="Wingdings" panose="05000000000000000000" pitchFamily="2" charset="2"/>
+            </a:endParaRPr>
           </a:p>
           <a:p>
             <a:r>
@@ -7348,7 +7415,7 @@
           <p:cNvPr id="2" name="Titre 1">
             <a:extLst>
               <a:ext uri="{FF2B5EF4-FFF2-40B4-BE49-F238E27FC236}">
-                <a16:creationId xmlns:a16="http://schemas.microsoft.com/office/drawing/2014/main" id="{0CFB33AD-2436-4082-A673-DA992A59D7CF}"/>
+                <a16:creationId xmlns:a16="http://schemas.microsoft.com/office/drawing/2014/main" xmlns="" id="{0CFB33AD-2436-4082-A673-DA992A59D7CF}"/>
               </a:ext>
             </a:extLst>
           </p:cNvPr>
@@ -7386,7 +7453,7 @@
           <p:cNvPr id="3" name="Sous-titre 2">
             <a:extLst>
               <a:ext uri="{FF2B5EF4-FFF2-40B4-BE49-F238E27FC236}">
-                <a16:creationId xmlns:a16="http://schemas.microsoft.com/office/drawing/2014/main" id="{9E2C14B6-E253-464E-B1EA-4FD993CE647E}"/>
+                <a16:creationId xmlns:a16="http://schemas.microsoft.com/office/drawing/2014/main" xmlns="" id="{9E2C14B6-E253-464E-B1EA-4FD993CE647E}"/>
               </a:ext>
             </a:extLst>
           </p:cNvPr>
@@ -7434,6 +7501,13 @@
   <p:clrMapOvr>
     <a:masterClrMapping/>
   </p:clrMapOvr>
+  <p:timing>
+    <p:tnLst>
+      <p:par>
+        <p:cTn id="1" dur="indefinite" restart="never" nodeType="tmRoot"/>
+      </p:par>
+    </p:tnLst>
+  </p:timing>
 </p:sld>
 </file>
 
@@ -7459,7 +7533,7 @@
           <p:cNvPr id="2" name="Titre 1">
             <a:extLst>
               <a:ext uri="{FF2B5EF4-FFF2-40B4-BE49-F238E27FC236}">
-                <a16:creationId xmlns:a16="http://schemas.microsoft.com/office/drawing/2014/main" id="{E3F33306-D4C8-47FD-B767-4C26F1291E90}"/>
+                <a16:creationId xmlns:a16="http://schemas.microsoft.com/office/drawing/2014/main" xmlns="" id="{E3F33306-D4C8-47FD-B767-4C26F1291E90}"/>
               </a:ext>
             </a:extLst>
           </p:cNvPr>
@@ -7493,7 +7567,7 @@
           <p:cNvPr id="3" name="Espace réservé du contenu 2">
             <a:extLst>
               <a:ext uri="{FF2B5EF4-FFF2-40B4-BE49-F238E27FC236}">
-                <a16:creationId xmlns:a16="http://schemas.microsoft.com/office/drawing/2014/main" id="{E2D72BF4-97A8-4FF9-9406-29B2A8E42FC2}"/>
+                <a16:creationId xmlns:a16="http://schemas.microsoft.com/office/drawing/2014/main" xmlns="" id="{E2D72BF4-97A8-4FF9-9406-29B2A8E42FC2}"/>
               </a:ext>
             </a:extLst>
           </p:cNvPr>
@@ -7578,6 +7652,13 @@
   <p:clrMapOvr>
     <a:masterClrMapping/>
   </p:clrMapOvr>
+  <p:timing>
+    <p:tnLst>
+      <p:par>
+        <p:cTn id="1" dur="indefinite" restart="never" nodeType="tmRoot"/>
+      </p:par>
+    </p:tnLst>
+  </p:timing>
 </p:sld>
 </file>
 
@@ -7603,7 +7684,7 @@
           <p:cNvPr id="2" name="Titre 1">
             <a:extLst>
               <a:ext uri="{FF2B5EF4-FFF2-40B4-BE49-F238E27FC236}">
-                <a16:creationId xmlns:a16="http://schemas.microsoft.com/office/drawing/2014/main" id="{E3F33306-D4C8-47FD-B767-4C26F1291E90}"/>
+                <a16:creationId xmlns:a16="http://schemas.microsoft.com/office/drawing/2014/main" xmlns="" id="{E3F33306-D4C8-47FD-B767-4C26F1291E90}"/>
               </a:ext>
             </a:extLst>
           </p:cNvPr>
@@ -7668,7 +7749,7 @@
           <p:cNvPr id="2" name="Titre 1">
             <a:extLst>
               <a:ext uri="{FF2B5EF4-FFF2-40B4-BE49-F238E27FC236}">
-                <a16:creationId xmlns:a16="http://schemas.microsoft.com/office/drawing/2014/main" id="{E3F33306-D4C8-47FD-B767-4C26F1291E90}"/>
+                <a16:creationId xmlns:a16="http://schemas.microsoft.com/office/drawing/2014/main" xmlns="" id="{E3F33306-D4C8-47FD-B767-4C26F1291E90}"/>
               </a:ext>
             </a:extLst>
           </p:cNvPr>
@@ -7702,7 +7783,7 @@
           <p:cNvPr id="4" name="Espace réservé du contenu 2">
             <a:extLst>
               <a:ext uri="{FF2B5EF4-FFF2-40B4-BE49-F238E27FC236}">
-                <a16:creationId xmlns:a16="http://schemas.microsoft.com/office/drawing/2014/main" id="{049C4395-38C4-4B0C-8910-A8F7BF702D03}"/>
+                <a16:creationId xmlns:a16="http://schemas.microsoft.com/office/drawing/2014/main" xmlns="" id="{049C4395-38C4-4B0C-8910-A8F7BF702D03}"/>
               </a:ext>
             </a:extLst>
           </p:cNvPr>
@@ -7997,7 +8078,7 @@
           <p:cNvPr id="7" name="Image 6">
             <a:extLst>
               <a:ext uri="{FF2B5EF4-FFF2-40B4-BE49-F238E27FC236}">
-                <a16:creationId xmlns:a16="http://schemas.microsoft.com/office/drawing/2014/main" id="{660BB3DA-E17E-4553-9B13-8D9843788D48}"/>
+                <a16:creationId xmlns:a16="http://schemas.microsoft.com/office/drawing/2014/main" xmlns="" id="{660BB3DA-E17E-4553-9B13-8D9843788D48}"/>
               </a:ext>
             </a:extLst>
           </p:cNvPr>
@@ -8038,6 +8119,13 @@
   <p:clrMapOvr>
     <a:masterClrMapping/>
   </p:clrMapOvr>
+  <p:timing>
+    <p:tnLst>
+      <p:par>
+        <p:cTn id="1" dur="indefinite" restart="never" nodeType="tmRoot"/>
+      </p:par>
+    </p:tnLst>
+  </p:timing>
 </p:sld>
 </file>
 
@@ -8063,7 +8151,7 @@
           <p:cNvPr id="2" name="Titre 1">
             <a:extLst>
               <a:ext uri="{FF2B5EF4-FFF2-40B4-BE49-F238E27FC236}">
-                <a16:creationId xmlns:a16="http://schemas.microsoft.com/office/drawing/2014/main" id="{E3F33306-D4C8-47FD-B767-4C26F1291E90}"/>
+                <a16:creationId xmlns:a16="http://schemas.microsoft.com/office/drawing/2014/main" xmlns="" id="{E3F33306-D4C8-47FD-B767-4C26F1291E90}"/>
               </a:ext>
             </a:extLst>
           </p:cNvPr>
@@ -8097,7 +8185,7 @@
           <p:cNvPr id="3" name="Espace réservé du contenu 2">
             <a:extLst>
               <a:ext uri="{FF2B5EF4-FFF2-40B4-BE49-F238E27FC236}">
-                <a16:creationId xmlns:a16="http://schemas.microsoft.com/office/drawing/2014/main" id="{E2D72BF4-97A8-4FF9-9406-29B2A8E42FC2}"/>
+                <a16:creationId xmlns:a16="http://schemas.microsoft.com/office/drawing/2014/main" xmlns="" id="{E2D72BF4-97A8-4FF9-9406-29B2A8E42FC2}"/>
               </a:ext>
             </a:extLst>
           </p:cNvPr>
@@ -8181,7 +8269,7 @@
           <p:cNvPr id="2" name="Titre 1">
             <a:extLst>
               <a:ext uri="{FF2B5EF4-FFF2-40B4-BE49-F238E27FC236}">
-                <a16:creationId xmlns:a16="http://schemas.microsoft.com/office/drawing/2014/main" id="{E3F33306-D4C8-47FD-B767-4C26F1291E90}"/>
+                <a16:creationId xmlns:a16="http://schemas.microsoft.com/office/drawing/2014/main" xmlns="" id="{E3F33306-D4C8-47FD-B767-4C26F1291E90}"/>
               </a:ext>
             </a:extLst>
           </p:cNvPr>
@@ -8215,7 +8303,7 @@
           <p:cNvPr id="3" name="Espace réservé du contenu 2">
             <a:extLst>
               <a:ext uri="{FF2B5EF4-FFF2-40B4-BE49-F238E27FC236}">
-                <a16:creationId xmlns:a16="http://schemas.microsoft.com/office/drawing/2014/main" id="{E2D72BF4-97A8-4FF9-9406-29B2A8E42FC2}"/>
+                <a16:creationId xmlns:a16="http://schemas.microsoft.com/office/drawing/2014/main" xmlns="" id="{E2D72BF4-97A8-4FF9-9406-29B2A8E42FC2}"/>
               </a:ext>
             </a:extLst>
           </p:cNvPr>
@@ -8321,7 +8409,7 @@
           <p:cNvPr id="67" name="Group 35">
             <a:extLst>
               <a:ext uri="{FF2B5EF4-FFF2-40B4-BE49-F238E27FC236}">
-                <a16:creationId xmlns:a16="http://schemas.microsoft.com/office/drawing/2014/main" id="{D6BA167A-D3C3-4EE8-8B5E-13679208725E}"/>
+                <a16:creationId xmlns:a16="http://schemas.microsoft.com/office/drawing/2014/main" xmlns="" id="{D6BA167A-D3C3-4EE8-8B5E-13679208725E}"/>
               </a:ext>
             </a:extLst>
           </p:cNvPr>
@@ -8331,7 +8419,7 @@
           <p:nvPr>
             <p:extLst>
               <p:ext uri="{386F3935-93C4-4BCD-93E2-E3B085C9AB24}">
-                <p16:designElem xmlns:p16="http://schemas.microsoft.com/office/powerpoint/2015/main" val="1"/>
+                <p16:designElem xmlns:p16="http://schemas.microsoft.com/office/powerpoint/2015/main" xmlns="" val="1"/>
               </p:ext>
             </p:extLst>
           </p:nvPr>
@@ -8349,7 +8437,7 @@
             <p:cNvPr id="37" name="Freeform 6">
               <a:extLst>
                 <a:ext uri="{FF2B5EF4-FFF2-40B4-BE49-F238E27FC236}">
-                  <a16:creationId xmlns:a16="http://schemas.microsoft.com/office/drawing/2014/main" id="{810CA83B-630E-45DB-ADCB-F0260428513D}"/>
+                  <a16:creationId xmlns:a16="http://schemas.microsoft.com/office/drawing/2014/main" xmlns="" id="{810CA83B-630E-45DB-ADCB-F0260428513D}"/>
                 </a:ext>
               </a:extLst>
             </p:cNvPr>
@@ -8357,7 +8445,7 @@
             <p:nvPr>
               <p:extLst>
                 <p:ext uri="{386F3935-93C4-4BCD-93E2-E3B085C9AB24}">
-                  <p16:designElem xmlns:p16="http://schemas.microsoft.com/office/powerpoint/2015/main" val="1"/>
+                  <p16:designElem xmlns:p16="http://schemas.microsoft.com/office/powerpoint/2015/main" xmlns="" val="1"/>
                 </p:ext>
               </p:extLst>
             </p:nvPr>
@@ -8407,7 +8495,7 @@
             <p:cNvPr id="38" name="Freeform 7">
               <a:extLst>
                 <a:ext uri="{FF2B5EF4-FFF2-40B4-BE49-F238E27FC236}">
-                  <a16:creationId xmlns:a16="http://schemas.microsoft.com/office/drawing/2014/main" id="{7A57B554-6973-429A-818B-524C03DA479E}"/>
+                  <a16:creationId xmlns:a16="http://schemas.microsoft.com/office/drawing/2014/main" xmlns="" id="{7A57B554-6973-429A-818B-524C03DA479E}"/>
                 </a:ext>
               </a:extLst>
             </p:cNvPr>
@@ -8415,7 +8503,7 @@
             <p:nvPr>
               <p:extLst>
                 <p:ext uri="{386F3935-93C4-4BCD-93E2-E3B085C9AB24}">
-                  <p16:designElem xmlns:p16="http://schemas.microsoft.com/office/powerpoint/2015/main" val="1"/>
+                  <p16:designElem xmlns:p16="http://schemas.microsoft.com/office/powerpoint/2015/main" xmlns="" val="1"/>
                 </p:ext>
               </p:extLst>
             </p:nvPr>
@@ -8471,7 +8559,7 @@
             <p:cNvPr id="39" name="Freeform 9">
               <a:extLst>
                 <a:ext uri="{FF2B5EF4-FFF2-40B4-BE49-F238E27FC236}">
-                  <a16:creationId xmlns:a16="http://schemas.microsoft.com/office/drawing/2014/main" id="{89ED2DB2-F3BB-4B5E-84E6-CC259E394AF3}"/>
+                  <a16:creationId xmlns:a16="http://schemas.microsoft.com/office/drawing/2014/main" xmlns="" id="{89ED2DB2-F3BB-4B5E-84E6-CC259E394AF3}"/>
                 </a:ext>
               </a:extLst>
             </p:cNvPr>
@@ -8479,7 +8567,7 @@
             <p:nvPr>
               <p:extLst>
                 <p:ext uri="{386F3935-93C4-4BCD-93E2-E3B085C9AB24}">
-                  <p16:designElem xmlns:p16="http://schemas.microsoft.com/office/powerpoint/2015/main" val="1"/>
+                  <p16:designElem xmlns:p16="http://schemas.microsoft.com/office/powerpoint/2015/main" xmlns="" val="1"/>
                 </p:ext>
               </p:extLst>
             </p:nvPr>
@@ -8529,7 +8617,7 @@
             <p:cNvPr id="40" name="Freeform 10">
               <a:extLst>
                 <a:ext uri="{FF2B5EF4-FFF2-40B4-BE49-F238E27FC236}">
-                  <a16:creationId xmlns:a16="http://schemas.microsoft.com/office/drawing/2014/main" id="{93816493-5723-43CF-95A9-2CDEC9B11D76}"/>
+                  <a16:creationId xmlns:a16="http://schemas.microsoft.com/office/drawing/2014/main" xmlns="" id="{93816493-5723-43CF-95A9-2CDEC9B11D76}"/>
                 </a:ext>
               </a:extLst>
             </p:cNvPr>
@@ -8537,7 +8625,7 @@
             <p:nvPr>
               <p:extLst>
                 <p:ext uri="{386F3935-93C4-4BCD-93E2-E3B085C9AB24}">
-                  <p16:designElem xmlns:p16="http://schemas.microsoft.com/office/powerpoint/2015/main" val="1"/>
+                  <p16:designElem xmlns:p16="http://schemas.microsoft.com/office/powerpoint/2015/main" xmlns="" val="1"/>
                 </p:ext>
               </p:extLst>
             </p:nvPr>
@@ -8586,7 +8674,7 @@
             <p:cNvPr id="41" name="Freeform 11">
               <a:extLst>
                 <a:ext uri="{FF2B5EF4-FFF2-40B4-BE49-F238E27FC236}">
-                  <a16:creationId xmlns:a16="http://schemas.microsoft.com/office/drawing/2014/main" id="{A9964935-0316-4743-BD2E-35B86AF480C4}"/>
+                  <a16:creationId xmlns:a16="http://schemas.microsoft.com/office/drawing/2014/main" xmlns="" id="{A9964935-0316-4743-BD2E-35B86AF480C4}"/>
                 </a:ext>
               </a:extLst>
             </p:cNvPr>
@@ -8594,7 +8682,7 @@
             <p:nvPr>
               <p:extLst>
                 <p:ext uri="{386F3935-93C4-4BCD-93E2-E3B085C9AB24}">
-                  <p16:designElem xmlns:p16="http://schemas.microsoft.com/office/powerpoint/2015/main" val="1"/>
+                  <p16:designElem xmlns:p16="http://schemas.microsoft.com/office/powerpoint/2015/main" xmlns="" val="1"/>
                 </p:ext>
               </p:extLst>
             </p:nvPr>
@@ -8649,7 +8737,7 @@
             <p:cNvPr id="42" name="Freeform 12">
               <a:extLst>
                 <a:ext uri="{FF2B5EF4-FFF2-40B4-BE49-F238E27FC236}">
-                  <a16:creationId xmlns:a16="http://schemas.microsoft.com/office/drawing/2014/main" id="{2B20A700-1547-48D5-AA6F-C1473539C70F}"/>
+                  <a16:creationId xmlns:a16="http://schemas.microsoft.com/office/drawing/2014/main" xmlns="" id="{2B20A700-1547-48D5-AA6F-C1473539C70F}"/>
                 </a:ext>
               </a:extLst>
             </p:cNvPr>
@@ -8657,7 +8745,7 @@
             <p:nvPr>
               <p:extLst>
                 <p:ext uri="{386F3935-93C4-4BCD-93E2-E3B085C9AB24}">
-                  <p16:designElem xmlns:p16="http://schemas.microsoft.com/office/powerpoint/2015/main" val="1"/>
+                  <p16:designElem xmlns:p16="http://schemas.microsoft.com/office/powerpoint/2015/main" xmlns="" val="1"/>
                 </p:ext>
               </p:extLst>
             </p:nvPr>
@@ -8720,7 +8808,7 @@
           <p:cNvPr id="68" name="Image 3">
             <a:extLst>
               <a:ext uri="{FF2B5EF4-FFF2-40B4-BE49-F238E27FC236}">
-                <a16:creationId xmlns:a16="http://schemas.microsoft.com/office/drawing/2014/main" id="{18141A38-AC60-4E7E-8F00-FFAA456581A5}"/>
+                <a16:creationId xmlns:a16="http://schemas.microsoft.com/office/drawing/2014/main" xmlns="" id="{18141A38-AC60-4E7E-8F00-FFAA456581A5}"/>
               </a:ext>
             </a:extLst>
           </p:cNvPr>
@@ -8776,7 +8864,7 @@
           <p:cNvPr id="2" name="Titre 1">
             <a:extLst>
               <a:ext uri="{FF2B5EF4-FFF2-40B4-BE49-F238E27FC236}">
-                <a16:creationId xmlns:a16="http://schemas.microsoft.com/office/drawing/2014/main" id="{CA7F0D2B-BBB7-4CF6-824A-DFB52F783BF6}"/>
+                <a16:creationId xmlns:a16="http://schemas.microsoft.com/office/drawing/2014/main" xmlns="" id="{CA7F0D2B-BBB7-4CF6-824A-DFB52F783BF6}"/>
               </a:ext>
             </a:extLst>
           </p:cNvPr>
@@ -8854,7 +8942,7 @@
           <p:cNvPr id="2" name="Titre 1">
             <a:extLst>
               <a:ext uri="{FF2B5EF4-FFF2-40B4-BE49-F238E27FC236}">
-                <a16:creationId xmlns:a16="http://schemas.microsoft.com/office/drawing/2014/main" id="{E3F33306-D4C8-47FD-B767-4C26F1291E90}"/>
+                <a16:creationId xmlns:a16="http://schemas.microsoft.com/office/drawing/2014/main" xmlns="" id="{E3F33306-D4C8-47FD-B767-4C26F1291E90}"/>
               </a:ext>
             </a:extLst>
           </p:cNvPr>
@@ -8888,7 +8976,7 @@
           <p:cNvPr id="3" name="Espace réservé du contenu 2">
             <a:extLst>
               <a:ext uri="{FF2B5EF4-FFF2-40B4-BE49-F238E27FC236}">
-                <a16:creationId xmlns:a16="http://schemas.microsoft.com/office/drawing/2014/main" id="{E2D72BF4-97A8-4FF9-9406-29B2A8E42FC2}"/>
+                <a16:creationId xmlns:a16="http://schemas.microsoft.com/office/drawing/2014/main" xmlns="" id="{E2D72BF4-97A8-4FF9-9406-29B2A8E42FC2}"/>
               </a:ext>
             </a:extLst>
           </p:cNvPr>
@@ -8942,7 +9030,7 @@
           <p:cNvPr id="4" name="Image 3">
             <a:extLst>
               <a:ext uri="{FF2B5EF4-FFF2-40B4-BE49-F238E27FC236}">
-                <a16:creationId xmlns:a16="http://schemas.microsoft.com/office/drawing/2014/main" id="{FAF10768-8CD8-4EE8-98C2-8C9C124CCFC6}"/>
+                <a16:creationId xmlns:a16="http://schemas.microsoft.com/office/drawing/2014/main" xmlns="" id="{FAF10768-8CD8-4EE8-98C2-8C9C124CCFC6}"/>
               </a:ext>
             </a:extLst>
           </p:cNvPr>
@@ -8972,7 +9060,7 @@
           <p:cNvPr id="5" name="Image 4">
             <a:extLst>
               <a:ext uri="{FF2B5EF4-FFF2-40B4-BE49-F238E27FC236}">
-                <a16:creationId xmlns:a16="http://schemas.microsoft.com/office/drawing/2014/main" id="{07C8896F-D9DD-4F5E-B4CD-7B458002FB07}"/>
+                <a16:creationId xmlns:a16="http://schemas.microsoft.com/office/drawing/2014/main" xmlns="" id="{07C8896F-D9DD-4F5E-B4CD-7B458002FB07}"/>
               </a:ext>
             </a:extLst>
           </p:cNvPr>
@@ -9002,7 +9090,7 @@
           <p:cNvPr id="6" name="Image 5">
             <a:extLst>
               <a:ext uri="{FF2B5EF4-FFF2-40B4-BE49-F238E27FC236}">
-                <a16:creationId xmlns:a16="http://schemas.microsoft.com/office/drawing/2014/main" id="{E7EF9D6E-222B-4579-BB16-23E565DB9B51}"/>
+                <a16:creationId xmlns:a16="http://schemas.microsoft.com/office/drawing/2014/main" xmlns="" id="{E7EF9D6E-222B-4579-BB16-23E565DB9B51}"/>
               </a:ext>
             </a:extLst>
           </p:cNvPr>
@@ -9032,7 +9120,7 @@
           <p:cNvPr id="7" name="Image 6">
             <a:extLst>
               <a:ext uri="{FF2B5EF4-FFF2-40B4-BE49-F238E27FC236}">
-                <a16:creationId xmlns:a16="http://schemas.microsoft.com/office/drawing/2014/main" id="{1AACB9B4-3BEE-49F9-B84B-98CF69073D91}"/>
+                <a16:creationId xmlns:a16="http://schemas.microsoft.com/office/drawing/2014/main" xmlns="" id="{1AACB9B4-3BEE-49F9-B84B-98CF69073D91}"/>
               </a:ext>
             </a:extLst>
           </p:cNvPr>
@@ -9062,7 +9150,7 @@
           <p:cNvPr id="8" name="Image 7">
             <a:extLst>
               <a:ext uri="{FF2B5EF4-FFF2-40B4-BE49-F238E27FC236}">
-                <a16:creationId xmlns:a16="http://schemas.microsoft.com/office/drawing/2014/main" id="{4BD348E5-9ADC-4CAB-861F-210D20AE68DB}"/>
+                <a16:creationId xmlns:a16="http://schemas.microsoft.com/office/drawing/2014/main" xmlns="" id="{4BD348E5-9ADC-4CAB-861F-210D20AE68DB}"/>
               </a:ext>
             </a:extLst>
           </p:cNvPr>
@@ -9422,7 +9510,7 @@
           <p:cNvPr id="2" name="Titre 1">
             <a:extLst>
               <a:ext uri="{FF2B5EF4-FFF2-40B4-BE49-F238E27FC236}">
-                <a16:creationId xmlns:a16="http://schemas.microsoft.com/office/drawing/2014/main" id="{E3F33306-D4C8-47FD-B767-4C26F1291E90}"/>
+                <a16:creationId xmlns:a16="http://schemas.microsoft.com/office/drawing/2014/main" xmlns="" id="{E3F33306-D4C8-47FD-B767-4C26F1291E90}"/>
               </a:ext>
             </a:extLst>
           </p:cNvPr>
@@ -9456,7 +9544,7 @@
           <p:cNvPr id="4" name="Image 3">
             <a:extLst>
               <a:ext uri="{FF2B5EF4-FFF2-40B4-BE49-F238E27FC236}">
-                <a16:creationId xmlns:a16="http://schemas.microsoft.com/office/drawing/2014/main" id="{2687339F-4F5B-4691-97F3-898FC5A89D2D}"/>
+                <a16:creationId xmlns:a16="http://schemas.microsoft.com/office/drawing/2014/main" xmlns="" id="{2687339F-4F5B-4691-97F3-898FC5A89D2D}"/>
               </a:ext>
             </a:extLst>
           </p:cNvPr>
@@ -9492,7 +9580,7 @@
           <p:cNvPr id="5" name="Espace réservé du contenu 2">
             <a:extLst>
               <a:ext uri="{FF2B5EF4-FFF2-40B4-BE49-F238E27FC236}">
-                <a16:creationId xmlns:a16="http://schemas.microsoft.com/office/drawing/2014/main" id="{CEB61D05-2C97-4939-9A58-2F5E68DED6BF}"/>
+                <a16:creationId xmlns:a16="http://schemas.microsoft.com/office/drawing/2014/main" xmlns="" id="{CEB61D05-2C97-4939-9A58-2F5E68DED6BF}"/>
               </a:ext>
             </a:extLst>
           </p:cNvPr>
@@ -9578,7 +9666,7 @@
           <p:cNvPr id="2" name="Titre 1">
             <a:extLst>
               <a:ext uri="{FF2B5EF4-FFF2-40B4-BE49-F238E27FC236}">
-                <a16:creationId xmlns:a16="http://schemas.microsoft.com/office/drawing/2014/main" id="{E3F33306-D4C8-47FD-B767-4C26F1291E90}"/>
+                <a16:creationId xmlns:a16="http://schemas.microsoft.com/office/drawing/2014/main" xmlns="" id="{E3F33306-D4C8-47FD-B767-4C26F1291E90}"/>
               </a:ext>
             </a:extLst>
           </p:cNvPr>
@@ -9612,7 +9700,7 @@
           <p:cNvPr id="3" name="Espace réservé du contenu 2">
             <a:extLst>
               <a:ext uri="{FF2B5EF4-FFF2-40B4-BE49-F238E27FC236}">
-                <a16:creationId xmlns:a16="http://schemas.microsoft.com/office/drawing/2014/main" id="{E2D72BF4-97A8-4FF9-9406-29B2A8E42FC2}"/>
+                <a16:creationId xmlns:a16="http://schemas.microsoft.com/office/drawing/2014/main" xmlns="" id="{E2D72BF4-97A8-4FF9-9406-29B2A8E42FC2}"/>
               </a:ext>
             </a:extLst>
           </p:cNvPr>
@@ -9680,7 +9768,7 @@
           <p:cNvPr id="7" name="Image 6">
             <a:extLst>
               <a:ext uri="{FF2B5EF4-FFF2-40B4-BE49-F238E27FC236}">
-                <a16:creationId xmlns:a16="http://schemas.microsoft.com/office/drawing/2014/main" id="{2D8FE7BE-EB47-4600-97C2-2F17178C74FE}"/>
+                <a16:creationId xmlns:a16="http://schemas.microsoft.com/office/drawing/2014/main" xmlns="" id="{2D8FE7BE-EB47-4600-97C2-2F17178C74FE}"/>
               </a:ext>
             </a:extLst>
           </p:cNvPr>
@@ -9721,6 +9809,13 @@
   <p:clrMapOvr>
     <a:masterClrMapping/>
   </p:clrMapOvr>
+  <p:timing>
+    <p:tnLst>
+      <p:par>
+        <p:cTn id="1" dur="indefinite" restart="never" nodeType="tmRoot"/>
+      </p:par>
+    </p:tnLst>
+  </p:timing>
 </p:sld>
 </file>
 
@@ -9746,7 +9841,7 @@
           <p:cNvPr id="2" name="Titre 1">
             <a:extLst>
               <a:ext uri="{FF2B5EF4-FFF2-40B4-BE49-F238E27FC236}">
-                <a16:creationId xmlns:a16="http://schemas.microsoft.com/office/drawing/2014/main" id="{E3F33306-D4C8-47FD-B767-4C26F1291E90}"/>
+                <a16:creationId xmlns:a16="http://schemas.microsoft.com/office/drawing/2014/main" xmlns="" id="{E3F33306-D4C8-47FD-B767-4C26F1291E90}"/>
               </a:ext>
             </a:extLst>
           </p:cNvPr>

--- a/Présentation.pptx
+++ b/Présentation.pptx
@@ -211,7 +211,7 @@
           <a:p>
             <a:fld id="{2EF6F3D7-FDF1-499B-B81F-F24850E7FDA6}" type="datetimeFigureOut">
               <a:rPr lang="fr-CH" smtClean="0"/>
-              <a:t>25.01.2018</a:t>
+              <a:t>26.01.2018</a:t>
             </a:fld>
             <a:endParaRPr lang="fr-CH"/>
           </a:p>
@@ -972,11 +972,38 @@
               <a:buChar char="•"/>
             </a:pPr>
             <a:r>
+              <a:rPr lang="fr-CH" dirty="0" err="1">
+                <a:sym typeface="Wingdings" panose="05000000000000000000" pitchFamily="2" charset="2"/>
+              </a:rPr>
+              <a:t>NbChapitre</a:t>
+            </a:r>
+            <a:r>
               <a:rPr lang="fr-CH" dirty="0">
                 <a:sym typeface="Wingdings" panose="05000000000000000000" pitchFamily="2" charset="2"/>
               </a:rPr>
-              <a:t>…</a:t>
-            </a:r>
+              <a:t>  Plus </a:t>
+            </a:r>
+            <a:r>
+              <a:rPr lang="fr-CH" dirty="0" err="1">
+                <a:sym typeface="Wingdings" panose="05000000000000000000" pitchFamily="2" charset="2"/>
+              </a:rPr>
+              <a:t>chap</a:t>
+            </a:r>
+            <a:r>
+              <a:rPr lang="fr-CH" dirty="0">
+                <a:sym typeface="Wingdings" panose="05000000000000000000" pitchFamily="2" charset="2"/>
+              </a:rPr>
+              <a:t> grand, plus ennemi </a:t>
+            </a:r>
+            <a:r>
+              <a:rPr lang="fr-CH">
+                <a:sym typeface="Wingdings" panose="05000000000000000000" pitchFamily="2" charset="2"/>
+              </a:rPr>
+              <a:t>est puissant</a:t>
+            </a:r>
+            <a:endParaRPr lang="fr-CH" dirty="0">
+              <a:sym typeface="Wingdings" panose="05000000000000000000" pitchFamily="2" charset="2"/>
+            </a:endParaRPr>
           </a:p>
           <a:p>
             <a:pPr marL="171450" lvl="0" indent="-171450">
@@ -996,11 +1023,11 @@
               <a:buChar char="•"/>
             </a:pPr>
             <a:r>
-              <a:rPr lang="fr-CH" b="0" dirty="0" smtClean="0"/>
+              <a:rPr lang="fr-CH" b="0" dirty="0"/>
               <a:t>Liste des</a:t>
             </a:r>
             <a:r>
-              <a:rPr lang="fr-CH" b="0" baseline="0" dirty="0" smtClean="0"/>
+              <a:rPr lang="fr-CH" b="0" baseline="0" dirty="0"/>
               <a:t> accélérations pendant 4 secondes</a:t>
             </a:r>
           </a:p>
@@ -1010,7 +1037,7 @@
               <a:buChar char="•"/>
             </a:pPr>
             <a:r>
-              <a:rPr lang="fr-CH" b="0" baseline="0" dirty="0" smtClean="0"/>
+              <a:rPr lang="fr-CH" b="0" baseline="0" dirty="0"/>
               <a:t>Calcul l’accélération moyenne</a:t>
             </a:r>
           </a:p>
@@ -1020,7 +1047,7 @@
               <a:buChar char="•"/>
             </a:pPr>
             <a:r>
-              <a:rPr lang="fr-CH" b="0" baseline="0" dirty="0" smtClean="0"/>
+              <a:rPr lang="fr-CH" b="0" baseline="0" dirty="0"/>
               <a:t>Calcul une distance avec cette accélération</a:t>
             </a:r>
           </a:p>
@@ -1030,14 +1057,9 @@
               <a:buChar char="•"/>
             </a:pPr>
             <a:r>
-              <a:rPr lang="fr-CH" b="0" baseline="0" dirty="0" smtClean="0"/>
-              <a:t>Si cette distance est plus grande que 15 mètre la fuite </a:t>
-            </a:r>
-            <a:r>
-              <a:rPr lang="fr-CH" b="0" baseline="0" smtClean="0"/>
-              <a:t>est validé</a:t>
-            </a:r>
-            <a:endParaRPr lang="fr-CH" b="0" baseline="0" dirty="0" smtClean="0"/>
+              <a:rPr lang="fr-CH" b="0" baseline="0" dirty="0"/>
+              <a:t>Si cette distance est plus grande que 15 mètre la fuite est validé</a:t>
+            </a:r>
           </a:p>
           <a:p>
             <a:pPr marL="628650" lvl="1" indent="-171450">
@@ -1151,28 +1173,22 @@
               <a:rPr lang="fr-CH" dirty="0">
                 <a:sym typeface="Wingdings" panose="05000000000000000000" pitchFamily="2" charset="2"/>
               </a:rPr>
-              <a:t>	</a:t>
-            </a:r>
-            <a:r>
-              <a:rPr lang="fr-CH" dirty="0" smtClean="0">
-                <a:sym typeface="Wingdings" panose="05000000000000000000" pitchFamily="2" charset="2"/>
-              </a:rPr>
-              <a:t>L’accéléromètre marche mais malheureusement</a:t>
-            </a:r>
-            <a:r>
-              <a:rPr lang="fr-CH" baseline="0" dirty="0" smtClean="0">
+              <a:t>	L’accéléromètre marche mais malheureusement</a:t>
+            </a:r>
+            <a:r>
+              <a:rPr lang="fr-CH" baseline="0" dirty="0">
                 <a:sym typeface="Wingdings" panose="05000000000000000000" pitchFamily="2" charset="2"/>
               </a:rPr>
               <a:t> il n’est pas fait pour calculer des distances d’une course, puisqu’il suffit de l’agiter dans tous les sens pour créer de grandes 	accélérations, pour ce genre de mesure il faut plutôt utiliser le </a:t>
             </a:r>
             <a:r>
-              <a:rPr lang="fr-CH" baseline="0" dirty="0" err="1" smtClean="0">
+              <a:rPr lang="fr-CH" baseline="0" dirty="0" err="1">
                 <a:sym typeface="Wingdings" panose="05000000000000000000" pitchFamily="2" charset="2"/>
               </a:rPr>
               <a:t>gps</a:t>
             </a:r>
             <a:r>
-              <a:rPr lang="fr-CH" baseline="0" dirty="0" smtClean="0">
+              <a:rPr lang="fr-CH" baseline="0" dirty="0">
                 <a:sym typeface="Wingdings" panose="05000000000000000000" pitchFamily="2" charset="2"/>
               </a:rPr>
               <a:t>.</a:t>
@@ -1746,7 +1762,7 @@
           <a:p>
             <a:fld id="{BC3895B0-21E2-43D3-9DA2-AFD642D82980}" type="datetimeFigureOut">
               <a:rPr lang="fr-CH" smtClean="0"/>
-              <a:t>25.01.2018</a:t>
+              <a:t>26.01.2018</a:t>
             </a:fld>
             <a:endParaRPr lang="fr-CH"/>
           </a:p>
@@ -2042,7 +2058,7 @@
           <a:p>
             <a:fld id="{BC3895B0-21E2-43D3-9DA2-AFD642D82980}" type="datetimeFigureOut">
               <a:rPr lang="fr-CH" smtClean="0"/>
-              <a:t>25.01.2018</a:t>
+              <a:t>26.01.2018</a:t>
             </a:fld>
             <a:endParaRPr lang="fr-CH"/>
           </a:p>
@@ -2290,7 +2306,7 @@
           <a:p>
             <a:fld id="{BC3895B0-21E2-43D3-9DA2-AFD642D82980}" type="datetimeFigureOut">
               <a:rPr lang="fr-CH" smtClean="0"/>
-              <a:t>25.01.2018</a:t>
+              <a:t>26.01.2018</a:t>
             </a:fld>
             <a:endParaRPr lang="fr-CH"/>
           </a:p>
@@ -2830,7 +2846,7 @@
           <a:p>
             <a:fld id="{BC3895B0-21E2-43D3-9DA2-AFD642D82980}" type="datetimeFigureOut">
               <a:rPr lang="fr-CH" smtClean="0"/>
-              <a:t>25.01.2018</a:t>
+              <a:t>26.01.2018</a:t>
             </a:fld>
             <a:endParaRPr lang="fr-CH"/>
           </a:p>
@@ -3078,7 +3094,7 @@
           <a:p>
             <a:fld id="{BC3895B0-21E2-43D3-9DA2-AFD642D82980}" type="datetimeFigureOut">
               <a:rPr lang="fr-CH" smtClean="0"/>
-              <a:t>25.01.2018</a:t>
+              <a:t>26.01.2018</a:t>
             </a:fld>
             <a:endParaRPr lang="fr-CH"/>
           </a:p>
@@ -3610,7 +3626,7 @@
           <a:p>
             <a:fld id="{BC3895B0-21E2-43D3-9DA2-AFD642D82980}" type="datetimeFigureOut">
               <a:rPr lang="fr-CH" smtClean="0"/>
-              <a:t>25.01.2018</a:t>
+              <a:t>26.01.2018</a:t>
             </a:fld>
             <a:endParaRPr lang="fr-CH"/>
           </a:p>
@@ -3907,7 +3923,7 @@
           <a:p>
             <a:fld id="{BC3895B0-21E2-43D3-9DA2-AFD642D82980}" type="datetimeFigureOut">
               <a:rPr lang="fr-CH" smtClean="0"/>
-              <a:t>25.01.2018</a:t>
+              <a:t>26.01.2018</a:t>
             </a:fld>
             <a:endParaRPr lang="fr-CH"/>
           </a:p>
@@ -4081,7 +4097,7 @@
           <a:p>
             <a:fld id="{BC3895B0-21E2-43D3-9DA2-AFD642D82980}" type="datetimeFigureOut">
               <a:rPr lang="fr-CH" smtClean="0"/>
-              <a:t>25.01.2018</a:t>
+              <a:t>26.01.2018</a:t>
             </a:fld>
             <a:endParaRPr lang="fr-CH"/>
           </a:p>
@@ -4261,7 +4277,7 @@
           <a:p>
             <a:fld id="{BC3895B0-21E2-43D3-9DA2-AFD642D82980}" type="datetimeFigureOut">
               <a:rPr lang="fr-CH" smtClean="0"/>
-              <a:t>25.01.2018</a:t>
+              <a:t>26.01.2018</a:t>
             </a:fld>
             <a:endParaRPr lang="fr-CH"/>
           </a:p>
@@ -4472,7 +4488,7 @@
           <a:p>
             <a:fld id="{BC3895B0-21E2-43D3-9DA2-AFD642D82980}" type="datetimeFigureOut">
               <a:rPr lang="fr-CH" smtClean="0"/>
-              <a:t>25.01.2018</a:t>
+              <a:t>26.01.2018</a:t>
             </a:fld>
             <a:endParaRPr lang="fr-CH"/>
           </a:p>
@@ -4723,7 +4739,7 @@
           <a:p>
             <a:fld id="{BC3895B0-21E2-43D3-9DA2-AFD642D82980}" type="datetimeFigureOut">
               <a:rPr lang="fr-CH" smtClean="0"/>
-              <a:t>25.01.2018</a:t>
+              <a:t>26.01.2018</a:t>
             </a:fld>
             <a:endParaRPr lang="fr-CH"/>
           </a:p>
@@ -5070,7 +5086,7 @@
           <a:p>
             <a:fld id="{BC3895B0-21E2-43D3-9DA2-AFD642D82980}" type="datetimeFigureOut">
               <a:rPr lang="fr-CH" smtClean="0"/>
-              <a:t>25.01.2018</a:t>
+              <a:t>26.01.2018</a:t>
             </a:fld>
             <a:endParaRPr lang="fr-CH"/>
           </a:p>
@@ -5562,7 +5578,7 @@
           <a:p>
             <a:fld id="{BC3895B0-21E2-43D3-9DA2-AFD642D82980}" type="datetimeFigureOut">
               <a:rPr lang="fr-CH" smtClean="0"/>
-              <a:t>25.01.2018</a:t>
+              <a:t>26.01.2018</a:t>
             </a:fld>
             <a:endParaRPr lang="fr-CH"/>
           </a:p>
@@ -5680,7 +5696,7 @@
           <a:p>
             <a:fld id="{BC3895B0-21E2-43D3-9DA2-AFD642D82980}" type="datetimeFigureOut">
               <a:rPr lang="fr-CH" smtClean="0"/>
-              <a:t>25.01.2018</a:t>
+              <a:t>26.01.2018</a:t>
             </a:fld>
             <a:endParaRPr lang="fr-CH"/>
           </a:p>
@@ -5775,7 +5791,7 @@
           <a:p>
             <a:fld id="{BC3895B0-21E2-43D3-9DA2-AFD642D82980}" type="datetimeFigureOut">
               <a:rPr lang="fr-CH" smtClean="0"/>
-              <a:t>25.01.2018</a:t>
+              <a:t>26.01.2018</a:t>
             </a:fld>
             <a:endParaRPr lang="fr-CH"/>
           </a:p>
@@ -6058,7 +6074,7 @@
           <a:p>
             <a:fld id="{BC3895B0-21E2-43D3-9DA2-AFD642D82980}" type="datetimeFigureOut">
               <a:rPr lang="fr-CH" smtClean="0"/>
-              <a:t>25.01.2018</a:t>
+              <a:t>26.01.2018</a:t>
             </a:fld>
             <a:endParaRPr lang="fr-CH"/>
           </a:p>
@@ -6349,7 +6365,7 @@
           <a:p>
             <a:fld id="{BC3895B0-21E2-43D3-9DA2-AFD642D82980}" type="datetimeFigureOut">
               <a:rPr lang="fr-CH" smtClean="0"/>
-              <a:t>25.01.2018</a:t>
+              <a:t>26.01.2018</a:t>
             </a:fld>
             <a:endParaRPr lang="fr-CH"/>
           </a:p>
@@ -6879,7 +6895,7 @@
           <a:p>
             <a:fld id="{BC3895B0-21E2-43D3-9DA2-AFD642D82980}" type="datetimeFigureOut">
               <a:rPr lang="fr-CH" smtClean="0"/>
-              <a:t>25.01.2018</a:t>
+              <a:t>26.01.2018</a:t>
             </a:fld>
             <a:endParaRPr lang="fr-CH"/>
           </a:p>
@@ -7415,7 +7431,7 @@
           <p:cNvPr id="2" name="Titre 1">
             <a:extLst>
               <a:ext uri="{FF2B5EF4-FFF2-40B4-BE49-F238E27FC236}">
-                <a16:creationId xmlns:a16="http://schemas.microsoft.com/office/drawing/2014/main" xmlns="" id="{0CFB33AD-2436-4082-A673-DA992A59D7CF}"/>
+                <a16:creationId xmlns:a16="http://schemas.microsoft.com/office/drawing/2014/main" id="{0CFB33AD-2436-4082-A673-DA992A59D7CF}"/>
               </a:ext>
             </a:extLst>
           </p:cNvPr>
@@ -7453,7 +7469,7 @@
           <p:cNvPr id="3" name="Sous-titre 2">
             <a:extLst>
               <a:ext uri="{FF2B5EF4-FFF2-40B4-BE49-F238E27FC236}">
-                <a16:creationId xmlns:a16="http://schemas.microsoft.com/office/drawing/2014/main" xmlns="" id="{9E2C14B6-E253-464E-B1EA-4FD993CE647E}"/>
+                <a16:creationId xmlns:a16="http://schemas.microsoft.com/office/drawing/2014/main" id="{9E2C14B6-E253-464E-B1EA-4FD993CE647E}"/>
               </a:ext>
             </a:extLst>
           </p:cNvPr>
@@ -7501,13 +7517,6 @@
   <p:clrMapOvr>
     <a:masterClrMapping/>
   </p:clrMapOvr>
-  <p:timing>
-    <p:tnLst>
-      <p:par>
-        <p:cTn id="1" dur="indefinite" restart="never" nodeType="tmRoot"/>
-      </p:par>
-    </p:tnLst>
-  </p:timing>
 </p:sld>
 </file>
 
@@ -7533,7 +7542,7 @@
           <p:cNvPr id="2" name="Titre 1">
             <a:extLst>
               <a:ext uri="{FF2B5EF4-FFF2-40B4-BE49-F238E27FC236}">
-                <a16:creationId xmlns:a16="http://schemas.microsoft.com/office/drawing/2014/main" xmlns="" id="{E3F33306-D4C8-47FD-B767-4C26F1291E90}"/>
+                <a16:creationId xmlns:a16="http://schemas.microsoft.com/office/drawing/2014/main" id="{E3F33306-D4C8-47FD-B767-4C26F1291E90}"/>
               </a:ext>
             </a:extLst>
           </p:cNvPr>
@@ -7567,7 +7576,7 @@
           <p:cNvPr id="3" name="Espace réservé du contenu 2">
             <a:extLst>
               <a:ext uri="{FF2B5EF4-FFF2-40B4-BE49-F238E27FC236}">
-                <a16:creationId xmlns:a16="http://schemas.microsoft.com/office/drawing/2014/main" xmlns="" id="{E2D72BF4-97A8-4FF9-9406-29B2A8E42FC2}"/>
+                <a16:creationId xmlns:a16="http://schemas.microsoft.com/office/drawing/2014/main" id="{E2D72BF4-97A8-4FF9-9406-29B2A8E42FC2}"/>
               </a:ext>
             </a:extLst>
           </p:cNvPr>
@@ -7652,13 +7661,6 @@
   <p:clrMapOvr>
     <a:masterClrMapping/>
   </p:clrMapOvr>
-  <p:timing>
-    <p:tnLst>
-      <p:par>
-        <p:cTn id="1" dur="indefinite" restart="never" nodeType="tmRoot"/>
-      </p:par>
-    </p:tnLst>
-  </p:timing>
 </p:sld>
 </file>
 
@@ -7684,7 +7686,7 @@
           <p:cNvPr id="2" name="Titre 1">
             <a:extLst>
               <a:ext uri="{FF2B5EF4-FFF2-40B4-BE49-F238E27FC236}">
-                <a16:creationId xmlns:a16="http://schemas.microsoft.com/office/drawing/2014/main" xmlns="" id="{E3F33306-D4C8-47FD-B767-4C26F1291E90}"/>
+                <a16:creationId xmlns:a16="http://schemas.microsoft.com/office/drawing/2014/main" id="{E3F33306-D4C8-47FD-B767-4C26F1291E90}"/>
               </a:ext>
             </a:extLst>
           </p:cNvPr>
@@ -7749,7 +7751,7 @@
           <p:cNvPr id="2" name="Titre 1">
             <a:extLst>
               <a:ext uri="{FF2B5EF4-FFF2-40B4-BE49-F238E27FC236}">
-                <a16:creationId xmlns:a16="http://schemas.microsoft.com/office/drawing/2014/main" xmlns="" id="{E3F33306-D4C8-47FD-B767-4C26F1291E90}"/>
+                <a16:creationId xmlns:a16="http://schemas.microsoft.com/office/drawing/2014/main" id="{E3F33306-D4C8-47FD-B767-4C26F1291E90}"/>
               </a:ext>
             </a:extLst>
           </p:cNvPr>
@@ -7783,7 +7785,7 @@
           <p:cNvPr id="4" name="Espace réservé du contenu 2">
             <a:extLst>
               <a:ext uri="{FF2B5EF4-FFF2-40B4-BE49-F238E27FC236}">
-                <a16:creationId xmlns:a16="http://schemas.microsoft.com/office/drawing/2014/main" xmlns="" id="{049C4395-38C4-4B0C-8910-A8F7BF702D03}"/>
+                <a16:creationId xmlns:a16="http://schemas.microsoft.com/office/drawing/2014/main" id="{049C4395-38C4-4B0C-8910-A8F7BF702D03}"/>
               </a:ext>
             </a:extLst>
           </p:cNvPr>
@@ -8078,7 +8080,7 @@
           <p:cNvPr id="7" name="Image 6">
             <a:extLst>
               <a:ext uri="{FF2B5EF4-FFF2-40B4-BE49-F238E27FC236}">
-                <a16:creationId xmlns:a16="http://schemas.microsoft.com/office/drawing/2014/main" xmlns="" id="{660BB3DA-E17E-4553-9B13-8D9843788D48}"/>
+                <a16:creationId xmlns:a16="http://schemas.microsoft.com/office/drawing/2014/main" id="{660BB3DA-E17E-4553-9B13-8D9843788D48}"/>
               </a:ext>
             </a:extLst>
           </p:cNvPr>
@@ -8119,13 +8121,6 @@
   <p:clrMapOvr>
     <a:masterClrMapping/>
   </p:clrMapOvr>
-  <p:timing>
-    <p:tnLst>
-      <p:par>
-        <p:cTn id="1" dur="indefinite" restart="never" nodeType="tmRoot"/>
-      </p:par>
-    </p:tnLst>
-  </p:timing>
 </p:sld>
 </file>
 
@@ -8151,7 +8146,7 @@
           <p:cNvPr id="2" name="Titre 1">
             <a:extLst>
               <a:ext uri="{FF2B5EF4-FFF2-40B4-BE49-F238E27FC236}">
-                <a16:creationId xmlns:a16="http://schemas.microsoft.com/office/drawing/2014/main" xmlns="" id="{E3F33306-D4C8-47FD-B767-4C26F1291E90}"/>
+                <a16:creationId xmlns:a16="http://schemas.microsoft.com/office/drawing/2014/main" id="{E3F33306-D4C8-47FD-B767-4C26F1291E90}"/>
               </a:ext>
             </a:extLst>
           </p:cNvPr>
@@ -8185,7 +8180,7 @@
           <p:cNvPr id="3" name="Espace réservé du contenu 2">
             <a:extLst>
               <a:ext uri="{FF2B5EF4-FFF2-40B4-BE49-F238E27FC236}">
-                <a16:creationId xmlns:a16="http://schemas.microsoft.com/office/drawing/2014/main" xmlns="" id="{E2D72BF4-97A8-4FF9-9406-29B2A8E42FC2}"/>
+                <a16:creationId xmlns:a16="http://schemas.microsoft.com/office/drawing/2014/main" id="{E2D72BF4-97A8-4FF9-9406-29B2A8E42FC2}"/>
               </a:ext>
             </a:extLst>
           </p:cNvPr>
@@ -8269,7 +8264,7 @@
           <p:cNvPr id="2" name="Titre 1">
             <a:extLst>
               <a:ext uri="{FF2B5EF4-FFF2-40B4-BE49-F238E27FC236}">
-                <a16:creationId xmlns:a16="http://schemas.microsoft.com/office/drawing/2014/main" xmlns="" id="{E3F33306-D4C8-47FD-B767-4C26F1291E90}"/>
+                <a16:creationId xmlns:a16="http://schemas.microsoft.com/office/drawing/2014/main" id="{E3F33306-D4C8-47FD-B767-4C26F1291E90}"/>
               </a:ext>
             </a:extLst>
           </p:cNvPr>
@@ -8303,7 +8298,7 @@
           <p:cNvPr id="3" name="Espace réservé du contenu 2">
             <a:extLst>
               <a:ext uri="{FF2B5EF4-FFF2-40B4-BE49-F238E27FC236}">
-                <a16:creationId xmlns:a16="http://schemas.microsoft.com/office/drawing/2014/main" xmlns="" id="{E2D72BF4-97A8-4FF9-9406-29B2A8E42FC2}"/>
+                <a16:creationId xmlns:a16="http://schemas.microsoft.com/office/drawing/2014/main" id="{E2D72BF4-97A8-4FF9-9406-29B2A8E42FC2}"/>
               </a:ext>
             </a:extLst>
           </p:cNvPr>
@@ -8409,7 +8404,7 @@
           <p:cNvPr id="67" name="Group 35">
             <a:extLst>
               <a:ext uri="{FF2B5EF4-FFF2-40B4-BE49-F238E27FC236}">
-                <a16:creationId xmlns:a16="http://schemas.microsoft.com/office/drawing/2014/main" xmlns="" id="{D6BA167A-D3C3-4EE8-8B5E-13679208725E}"/>
+                <a16:creationId xmlns:a16="http://schemas.microsoft.com/office/drawing/2014/main" id="{D6BA167A-D3C3-4EE8-8B5E-13679208725E}"/>
               </a:ext>
             </a:extLst>
           </p:cNvPr>
@@ -8419,7 +8414,7 @@
           <p:nvPr>
             <p:extLst>
               <p:ext uri="{386F3935-93C4-4BCD-93E2-E3B085C9AB24}">
-                <p16:designElem xmlns:p16="http://schemas.microsoft.com/office/powerpoint/2015/main" xmlns="" val="1"/>
+                <p16:designElem xmlns:p16="http://schemas.microsoft.com/office/powerpoint/2015/main" val="1"/>
               </p:ext>
             </p:extLst>
           </p:nvPr>
@@ -8437,7 +8432,7 @@
             <p:cNvPr id="37" name="Freeform 6">
               <a:extLst>
                 <a:ext uri="{FF2B5EF4-FFF2-40B4-BE49-F238E27FC236}">
-                  <a16:creationId xmlns:a16="http://schemas.microsoft.com/office/drawing/2014/main" xmlns="" id="{810CA83B-630E-45DB-ADCB-F0260428513D}"/>
+                  <a16:creationId xmlns:a16="http://schemas.microsoft.com/office/drawing/2014/main" id="{810CA83B-630E-45DB-ADCB-F0260428513D}"/>
                 </a:ext>
               </a:extLst>
             </p:cNvPr>
@@ -8445,7 +8440,7 @@
             <p:nvPr>
               <p:extLst>
                 <p:ext uri="{386F3935-93C4-4BCD-93E2-E3B085C9AB24}">
-                  <p16:designElem xmlns:p16="http://schemas.microsoft.com/office/powerpoint/2015/main" xmlns="" val="1"/>
+                  <p16:designElem xmlns:p16="http://schemas.microsoft.com/office/powerpoint/2015/main" val="1"/>
                 </p:ext>
               </p:extLst>
             </p:nvPr>
@@ -8495,7 +8490,7 @@
             <p:cNvPr id="38" name="Freeform 7">
               <a:extLst>
                 <a:ext uri="{FF2B5EF4-FFF2-40B4-BE49-F238E27FC236}">
-                  <a16:creationId xmlns:a16="http://schemas.microsoft.com/office/drawing/2014/main" xmlns="" id="{7A57B554-6973-429A-818B-524C03DA479E}"/>
+                  <a16:creationId xmlns:a16="http://schemas.microsoft.com/office/drawing/2014/main" id="{7A57B554-6973-429A-818B-524C03DA479E}"/>
                 </a:ext>
               </a:extLst>
             </p:cNvPr>
@@ -8503,7 +8498,7 @@
             <p:nvPr>
               <p:extLst>
                 <p:ext uri="{386F3935-93C4-4BCD-93E2-E3B085C9AB24}">
-                  <p16:designElem xmlns:p16="http://schemas.microsoft.com/office/powerpoint/2015/main" xmlns="" val="1"/>
+                  <p16:designElem xmlns:p16="http://schemas.microsoft.com/office/powerpoint/2015/main" val="1"/>
                 </p:ext>
               </p:extLst>
             </p:nvPr>
@@ -8559,7 +8554,7 @@
             <p:cNvPr id="39" name="Freeform 9">
               <a:extLst>
                 <a:ext uri="{FF2B5EF4-FFF2-40B4-BE49-F238E27FC236}">
-                  <a16:creationId xmlns:a16="http://schemas.microsoft.com/office/drawing/2014/main" xmlns="" id="{89ED2DB2-F3BB-4B5E-84E6-CC259E394AF3}"/>
+                  <a16:creationId xmlns:a16="http://schemas.microsoft.com/office/drawing/2014/main" id="{89ED2DB2-F3BB-4B5E-84E6-CC259E394AF3}"/>
                 </a:ext>
               </a:extLst>
             </p:cNvPr>
@@ -8567,7 +8562,7 @@
             <p:nvPr>
               <p:extLst>
                 <p:ext uri="{386F3935-93C4-4BCD-93E2-E3B085C9AB24}">
-                  <p16:designElem xmlns:p16="http://schemas.microsoft.com/office/powerpoint/2015/main" xmlns="" val="1"/>
+                  <p16:designElem xmlns:p16="http://schemas.microsoft.com/office/powerpoint/2015/main" val="1"/>
                 </p:ext>
               </p:extLst>
             </p:nvPr>
@@ -8617,7 +8612,7 @@
             <p:cNvPr id="40" name="Freeform 10">
               <a:extLst>
                 <a:ext uri="{FF2B5EF4-FFF2-40B4-BE49-F238E27FC236}">
-                  <a16:creationId xmlns:a16="http://schemas.microsoft.com/office/drawing/2014/main" xmlns="" id="{93816493-5723-43CF-95A9-2CDEC9B11D76}"/>
+                  <a16:creationId xmlns:a16="http://schemas.microsoft.com/office/drawing/2014/main" id="{93816493-5723-43CF-95A9-2CDEC9B11D76}"/>
                 </a:ext>
               </a:extLst>
             </p:cNvPr>
@@ -8625,7 +8620,7 @@
             <p:nvPr>
               <p:extLst>
                 <p:ext uri="{386F3935-93C4-4BCD-93E2-E3B085C9AB24}">
-                  <p16:designElem xmlns:p16="http://schemas.microsoft.com/office/powerpoint/2015/main" xmlns="" val="1"/>
+                  <p16:designElem xmlns:p16="http://schemas.microsoft.com/office/powerpoint/2015/main" val="1"/>
                 </p:ext>
               </p:extLst>
             </p:nvPr>
@@ -8674,7 +8669,7 @@
             <p:cNvPr id="41" name="Freeform 11">
               <a:extLst>
                 <a:ext uri="{FF2B5EF4-FFF2-40B4-BE49-F238E27FC236}">
-                  <a16:creationId xmlns:a16="http://schemas.microsoft.com/office/drawing/2014/main" xmlns="" id="{A9964935-0316-4743-BD2E-35B86AF480C4}"/>
+                  <a16:creationId xmlns:a16="http://schemas.microsoft.com/office/drawing/2014/main" id="{A9964935-0316-4743-BD2E-35B86AF480C4}"/>
                 </a:ext>
               </a:extLst>
             </p:cNvPr>
@@ -8682,7 +8677,7 @@
             <p:nvPr>
               <p:extLst>
                 <p:ext uri="{386F3935-93C4-4BCD-93E2-E3B085C9AB24}">
-                  <p16:designElem xmlns:p16="http://schemas.microsoft.com/office/powerpoint/2015/main" xmlns="" val="1"/>
+                  <p16:designElem xmlns:p16="http://schemas.microsoft.com/office/powerpoint/2015/main" val="1"/>
                 </p:ext>
               </p:extLst>
             </p:nvPr>
@@ -8737,7 +8732,7 @@
             <p:cNvPr id="42" name="Freeform 12">
               <a:extLst>
                 <a:ext uri="{FF2B5EF4-FFF2-40B4-BE49-F238E27FC236}">
-                  <a16:creationId xmlns:a16="http://schemas.microsoft.com/office/drawing/2014/main" xmlns="" id="{2B20A700-1547-48D5-AA6F-C1473539C70F}"/>
+                  <a16:creationId xmlns:a16="http://schemas.microsoft.com/office/drawing/2014/main" id="{2B20A700-1547-48D5-AA6F-C1473539C70F}"/>
                 </a:ext>
               </a:extLst>
             </p:cNvPr>
@@ -8745,7 +8740,7 @@
             <p:nvPr>
               <p:extLst>
                 <p:ext uri="{386F3935-93C4-4BCD-93E2-E3B085C9AB24}">
-                  <p16:designElem xmlns:p16="http://schemas.microsoft.com/office/powerpoint/2015/main" xmlns="" val="1"/>
+                  <p16:designElem xmlns:p16="http://schemas.microsoft.com/office/powerpoint/2015/main" val="1"/>
                 </p:ext>
               </p:extLst>
             </p:nvPr>
@@ -8808,7 +8803,7 @@
           <p:cNvPr id="68" name="Image 3">
             <a:extLst>
               <a:ext uri="{FF2B5EF4-FFF2-40B4-BE49-F238E27FC236}">
-                <a16:creationId xmlns:a16="http://schemas.microsoft.com/office/drawing/2014/main" xmlns="" id="{18141A38-AC60-4E7E-8F00-FFAA456581A5}"/>
+                <a16:creationId xmlns:a16="http://schemas.microsoft.com/office/drawing/2014/main" id="{18141A38-AC60-4E7E-8F00-FFAA456581A5}"/>
               </a:ext>
             </a:extLst>
           </p:cNvPr>
@@ -8864,7 +8859,7 @@
           <p:cNvPr id="2" name="Titre 1">
             <a:extLst>
               <a:ext uri="{FF2B5EF4-FFF2-40B4-BE49-F238E27FC236}">
-                <a16:creationId xmlns:a16="http://schemas.microsoft.com/office/drawing/2014/main" xmlns="" id="{CA7F0D2B-BBB7-4CF6-824A-DFB52F783BF6}"/>
+                <a16:creationId xmlns:a16="http://schemas.microsoft.com/office/drawing/2014/main" id="{CA7F0D2B-BBB7-4CF6-824A-DFB52F783BF6}"/>
               </a:ext>
             </a:extLst>
           </p:cNvPr>
@@ -8942,7 +8937,7 @@
           <p:cNvPr id="2" name="Titre 1">
             <a:extLst>
               <a:ext uri="{FF2B5EF4-FFF2-40B4-BE49-F238E27FC236}">
-                <a16:creationId xmlns:a16="http://schemas.microsoft.com/office/drawing/2014/main" xmlns="" id="{E3F33306-D4C8-47FD-B767-4C26F1291E90}"/>
+                <a16:creationId xmlns:a16="http://schemas.microsoft.com/office/drawing/2014/main" id="{E3F33306-D4C8-47FD-B767-4C26F1291E90}"/>
               </a:ext>
             </a:extLst>
           </p:cNvPr>
@@ -8976,7 +8971,7 @@
           <p:cNvPr id="3" name="Espace réservé du contenu 2">
             <a:extLst>
               <a:ext uri="{FF2B5EF4-FFF2-40B4-BE49-F238E27FC236}">
-                <a16:creationId xmlns:a16="http://schemas.microsoft.com/office/drawing/2014/main" xmlns="" id="{E2D72BF4-97A8-4FF9-9406-29B2A8E42FC2}"/>
+                <a16:creationId xmlns:a16="http://schemas.microsoft.com/office/drawing/2014/main" id="{E2D72BF4-97A8-4FF9-9406-29B2A8E42FC2}"/>
               </a:ext>
             </a:extLst>
           </p:cNvPr>
@@ -9030,7 +9025,7 @@
           <p:cNvPr id="4" name="Image 3">
             <a:extLst>
               <a:ext uri="{FF2B5EF4-FFF2-40B4-BE49-F238E27FC236}">
-                <a16:creationId xmlns:a16="http://schemas.microsoft.com/office/drawing/2014/main" xmlns="" id="{FAF10768-8CD8-4EE8-98C2-8C9C124CCFC6}"/>
+                <a16:creationId xmlns:a16="http://schemas.microsoft.com/office/drawing/2014/main" id="{FAF10768-8CD8-4EE8-98C2-8C9C124CCFC6}"/>
               </a:ext>
             </a:extLst>
           </p:cNvPr>
@@ -9060,7 +9055,7 @@
           <p:cNvPr id="5" name="Image 4">
             <a:extLst>
               <a:ext uri="{FF2B5EF4-FFF2-40B4-BE49-F238E27FC236}">
-                <a16:creationId xmlns:a16="http://schemas.microsoft.com/office/drawing/2014/main" xmlns="" id="{07C8896F-D9DD-4F5E-B4CD-7B458002FB07}"/>
+                <a16:creationId xmlns:a16="http://schemas.microsoft.com/office/drawing/2014/main" id="{07C8896F-D9DD-4F5E-B4CD-7B458002FB07}"/>
               </a:ext>
             </a:extLst>
           </p:cNvPr>
@@ -9090,7 +9085,7 @@
           <p:cNvPr id="6" name="Image 5">
             <a:extLst>
               <a:ext uri="{FF2B5EF4-FFF2-40B4-BE49-F238E27FC236}">
-                <a16:creationId xmlns:a16="http://schemas.microsoft.com/office/drawing/2014/main" xmlns="" id="{E7EF9D6E-222B-4579-BB16-23E565DB9B51}"/>
+                <a16:creationId xmlns:a16="http://schemas.microsoft.com/office/drawing/2014/main" id="{E7EF9D6E-222B-4579-BB16-23E565DB9B51}"/>
               </a:ext>
             </a:extLst>
           </p:cNvPr>
@@ -9120,7 +9115,7 @@
           <p:cNvPr id="7" name="Image 6">
             <a:extLst>
               <a:ext uri="{FF2B5EF4-FFF2-40B4-BE49-F238E27FC236}">
-                <a16:creationId xmlns:a16="http://schemas.microsoft.com/office/drawing/2014/main" xmlns="" id="{1AACB9B4-3BEE-49F9-B84B-98CF69073D91}"/>
+                <a16:creationId xmlns:a16="http://schemas.microsoft.com/office/drawing/2014/main" id="{1AACB9B4-3BEE-49F9-B84B-98CF69073D91}"/>
               </a:ext>
             </a:extLst>
           </p:cNvPr>
@@ -9150,7 +9145,7 @@
           <p:cNvPr id="8" name="Image 7">
             <a:extLst>
               <a:ext uri="{FF2B5EF4-FFF2-40B4-BE49-F238E27FC236}">
-                <a16:creationId xmlns:a16="http://schemas.microsoft.com/office/drawing/2014/main" xmlns="" id="{4BD348E5-9ADC-4CAB-861F-210D20AE68DB}"/>
+                <a16:creationId xmlns:a16="http://schemas.microsoft.com/office/drawing/2014/main" id="{4BD348E5-9ADC-4CAB-861F-210D20AE68DB}"/>
               </a:ext>
             </a:extLst>
           </p:cNvPr>
@@ -9510,7 +9505,7 @@
           <p:cNvPr id="2" name="Titre 1">
             <a:extLst>
               <a:ext uri="{FF2B5EF4-FFF2-40B4-BE49-F238E27FC236}">
-                <a16:creationId xmlns:a16="http://schemas.microsoft.com/office/drawing/2014/main" xmlns="" id="{E3F33306-D4C8-47FD-B767-4C26F1291E90}"/>
+                <a16:creationId xmlns:a16="http://schemas.microsoft.com/office/drawing/2014/main" id="{E3F33306-D4C8-47FD-B767-4C26F1291E90}"/>
               </a:ext>
             </a:extLst>
           </p:cNvPr>
@@ -9544,7 +9539,7 @@
           <p:cNvPr id="4" name="Image 3">
             <a:extLst>
               <a:ext uri="{FF2B5EF4-FFF2-40B4-BE49-F238E27FC236}">
-                <a16:creationId xmlns:a16="http://schemas.microsoft.com/office/drawing/2014/main" xmlns="" id="{2687339F-4F5B-4691-97F3-898FC5A89D2D}"/>
+                <a16:creationId xmlns:a16="http://schemas.microsoft.com/office/drawing/2014/main" id="{2687339F-4F5B-4691-97F3-898FC5A89D2D}"/>
               </a:ext>
             </a:extLst>
           </p:cNvPr>
@@ -9580,7 +9575,7 @@
           <p:cNvPr id="5" name="Espace réservé du contenu 2">
             <a:extLst>
               <a:ext uri="{FF2B5EF4-FFF2-40B4-BE49-F238E27FC236}">
-                <a16:creationId xmlns:a16="http://schemas.microsoft.com/office/drawing/2014/main" xmlns="" id="{CEB61D05-2C97-4939-9A58-2F5E68DED6BF}"/>
+                <a16:creationId xmlns:a16="http://schemas.microsoft.com/office/drawing/2014/main" id="{CEB61D05-2C97-4939-9A58-2F5E68DED6BF}"/>
               </a:ext>
             </a:extLst>
           </p:cNvPr>
@@ -9666,7 +9661,7 @@
           <p:cNvPr id="2" name="Titre 1">
             <a:extLst>
               <a:ext uri="{FF2B5EF4-FFF2-40B4-BE49-F238E27FC236}">
-                <a16:creationId xmlns:a16="http://schemas.microsoft.com/office/drawing/2014/main" xmlns="" id="{E3F33306-D4C8-47FD-B767-4C26F1291E90}"/>
+                <a16:creationId xmlns:a16="http://schemas.microsoft.com/office/drawing/2014/main" id="{E3F33306-D4C8-47FD-B767-4C26F1291E90}"/>
               </a:ext>
             </a:extLst>
           </p:cNvPr>
@@ -9700,7 +9695,7 @@
           <p:cNvPr id="3" name="Espace réservé du contenu 2">
             <a:extLst>
               <a:ext uri="{FF2B5EF4-FFF2-40B4-BE49-F238E27FC236}">
-                <a16:creationId xmlns:a16="http://schemas.microsoft.com/office/drawing/2014/main" xmlns="" id="{E2D72BF4-97A8-4FF9-9406-29B2A8E42FC2}"/>
+                <a16:creationId xmlns:a16="http://schemas.microsoft.com/office/drawing/2014/main" id="{E2D72BF4-97A8-4FF9-9406-29B2A8E42FC2}"/>
               </a:ext>
             </a:extLst>
           </p:cNvPr>
@@ -9768,7 +9763,7 @@
           <p:cNvPr id="7" name="Image 6">
             <a:extLst>
               <a:ext uri="{FF2B5EF4-FFF2-40B4-BE49-F238E27FC236}">
-                <a16:creationId xmlns:a16="http://schemas.microsoft.com/office/drawing/2014/main" xmlns="" id="{2D8FE7BE-EB47-4600-97C2-2F17178C74FE}"/>
+                <a16:creationId xmlns:a16="http://schemas.microsoft.com/office/drawing/2014/main" id="{2D8FE7BE-EB47-4600-97C2-2F17178C74FE}"/>
               </a:ext>
             </a:extLst>
           </p:cNvPr>
@@ -9809,13 +9804,6 @@
   <p:clrMapOvr>
     <a:masterClrMapping/>
   </p:clrMapOvr>
-  <p:timing>
-    <p:tnLst>
-      <p:par>
-        <p:cTn id="1" dur="indefinite" restart="never" nodeType="tmRoot"/>
-      </p:par>
-    </p:tnLst>
-  </p:timing>
 </p:sld>
 </file>
 
@@ -9841,7 +9829,7 @@
           <p:cNvPr id="2" name="Titre 1">
             <a:extLst>
               <a:ext uri="{FF2B5EF4-FFF2-40B4-BE49-F238E27FC236}">
-                <a16:creationId xmlns:a16="http://schemas.microsoft.com/office/drawing/2014/main" xmlns="" id="{E3F33306-D4C8-47FD-B767-4C26F1291E90}"/>
+                <a16:creationId xmlns:a16="http://schemas.microsoft.com/office/drawing/2014/main" id="{E3F33306-D4C8-47FD-B767-4C26F1291E90}"/>
               </a:ext>
             </a:extLst>
           </p:cNvPr>
